--- a/Final ppt 7-10-22.pptx
+++ b/Final ppt 7-10-22.pptx
@@ -8,7 +8,7 @@
   <p:sldIdLst>
     <p:sldId id="259" r:id="rId3"/>
     <p:sldId id="262" r:id="rId4"/>
-    <p:sldId id="265" r:id="rId5"/>
+    <p:sldId id="323" r:id="rId5"/>
     <p:sldId id="268" r:id="rId6"/>
     <p:sldId id="271" r:id="rId7"/>
     <p:sldId id="274" r:id="rId8"/>
@@ -23,9 +23,9 @@
     <p:sldId id="318" r:id="rId17"/>
     <p:sldId id="319" r:id="rId18"/>
     <p:sldId id="320" r:id="rId19"/>
-    <p:sldId id="292" r:id="rId20"/>
-    <p:sldId id="298" r:id="rId21"/>
-    <p:sldId id="301" r:id="rId22"/>
+    <p:sldId id="298" r:id="rId20"/>
+    <p:sldId id="301" r:id="rId21"/>
+    <p:sldId id="324" r:id="rId22"/>
   </p:sldIdLst>
   <p:sldSz cx="12192000" cy="6858000"/>
   <p:notesSz cx="6858000" cy="9144000"/>
@@ -307,7 +307,7 @@
           <a:p>
             <a:fld id="{270AA70E-25E5-40AE-9639-CC9E0FD11565}" type="datetimeFigureOut">
               <a:rPr lang="en-US" smtClean="0"/>
-              <a:t>10/7/2022</a:t>
+              <a:t>10/8/2022</a:t>
             </a:fld>
             <a:endParaRPr lang="en-US"/>
           </a:p>
@@ -470,7 +470,7 @@
           <a:p>
             <a:fld id="{213B83EE-6B17-4924-8E5B-7B4E4C3C0DAE}" type="datetimeFigureOut">
               <a:rPr lang="en-US" smtClean="0"/>
-              <a:t>10/7/2022</a:t>
+              <a:t>10/8/2022</a:t>
             </a:fld>
             <a:endParaRPr lang="en-US"/>
           </a:p>
@@ -633,7 +633,7 @@
           <a:p>
             <a:fld id="{15B0C3F1-7737-41F7-A0EB-DF47FA6C3401}" type="datetimeFigureOut">
               <a:rPr lang="en-US" smtClean="0"/>
-              <a:t>10/7/2022</a:t>
+              <a:t>10/8/2022</a:t>
             </a:fld>
             <a:endParaRPr lang="en-US"/>
           </a:p>
@@ -861,7 +861,7 @@
           <a:p>
             <a:fld id="{48A87A34-81AB-432B-8DAE-1953F412C126}" type="datetimeFigureOut">
               <a:rPr lang="en-US" smtClean="0"/>
-              <a:t>10/7/2022</a:t>
+              <a:t>10/8/2022</a:t>
             </a:fld>
             <a:endParaRPr lang="en-US"/>
           </a:p>
@@ -1066,7 +1066,7 @@
           <a:p>
             <a:fld id="{48A87A34-81AB-432B-8DAE-1953F412C126}" type="datetimeFigureOut">
               <a:rPr lang="en-US" smtClean="0"/>
-              <a:t>10/7/2022</a:t>
+              <a:t>10/8/2022</a:t>
             </a:fld>
             <a:endParaRPr lang="en-US"/>
           </a:p>
@@ -1346,7 +1346,7 @@
           <a:p>
             <a:fld id="{48A87A34-81AB-432B-8DAE-1953F412C126}" type="datetimeFigureOut">
               <a:rPr lang="en-US" smtClean="0"/>
-              <a:t>10/7/2022</a:t>
+              <a:t>10/8/2022</a:t>
             </a:fld>
             <a:endParaRPr lang="en-US"/>
           </a:p>
@@ -1613,7 +1613,7 @@
           <a:p>
             <a:fld id="{48A87A34-81AB-432B-8DAE-1953F412C126}" type="datetimeFigureOut">
               <a:rPr lang="en-US" smtClean="0"/>
-              <a:t>10/7/2022</a:t>
+              <a:t>10/8/2022</a:t>
             </a:fld>
             <a:endParaRPr lang="en-US"/>
           </a:p>
@@ -2028,7 +2028,7 @@
           <a:p>
             <a:fld id="{48A87A34-81AB-432B-8DAE-1953F412C126}" type="datetimeFigureOut">
               <a:rPr lang="en-US" smtClean="0"/>
-              <a:t>10/7/2022</a:t>
+              <a:t>10/8/2022</a:t>
             </a:fld>
             <a:endParaRPr lang="en-US"/>
           </a:p>
@@ -2176,7 +2176,7 @@
           <a:p>
             <a:fld id="{48A87A34-81AB-432B-8DAE-1953F412C126}" type="datetimeFigureOut">
               <a:rPr lang="en-US" smtClean="0"/>
-              <a:t>10/7/2022</a:t>
+              <a:t>10/8/2022</a:t>
             </a:fld>
             <a:endParaRPr lang="en-US"/>
           </a:p>
@@ -2301,7 +2301,7 @@
           <a:p>
             <a:fld id="{48A87A34-81AB-432B-8DAE-1953F412C126}" type="datetimeFigureOut">
               <a:rPr lang="en-US" smtClean="0"/>
-              <a:t>10/7/2022</a:t>
+              <a:t>10/8/2022</a:t>
             </a:fld>
             <a:endParaRPr lang="en-US"/>
           </a:p>
@@ -2580,7 +2580,7 @@
           <a:p>
             <a:fld id="{48A87A34-81AB-432B-8DAE-1953F412C126}" type="datetimeFigureOut">
               <a:rPr lang="en-US" smtClean="0"/>
-              <a:t>10/7/2022</a:t>
+              <a:t>10/8/2022</a:t>
             </a:fld>
             <a:endParaRPr lang="en-US"/>
           </a:p>
@@ -2747,7 +2747,7 @@
           <a:p>
             <a:fld id="{5B2B388C-4F85-4F10-AA1C-74C86FADB628}" type="datetimeFigureOut">
               <a:rPr lang="en-US" smtClean="0"/>
-              <a:t>10/7/2022</a:t>
+              <a:t>10/8/2022</a:t>
             </a:fld>
             <a:endParaRPr lang="en-US"/>
           </a:p>
@@ -3055,7 +3055,7 @@
           <a:p>
             <a:fld id="{48A87A34-81AB-432B-8DAE-1953F412C126}" type="datetimeFigureOut">
               <a:rPr lang="en-US" smtClean="0"/>
-              <a:t>10/7/2022</a:t>
+              <a:t>10/8/2022</a:t>
             </a:fld>
             <a:endParaRPr lang="en-US"/>
           </a:p>
@@ -3367,7 +3367,7 @@
           <a:p>
             <a:fld id="{48A87A34-81AB-432B-8DAE-1953F412C126}" type="datetimeFigureOut">
               <a:rPr lang="en-US" smtClean="0"/>
-              <a:t>10/7/2022</a:t>
+              <a:t>10/8/2022</a:t>
             </a:fld>
             <a:endParaRPr lang="en-US"/>
           </a:p>
@@ -3589,7 +3589,7 @@
           <a:p>
             <a:fld id="{48A87A34-81AB-432B-8DAE-1953F412C126}" type="datetimeFigureOut">
               <a:rPr lang="en-US" smtClean="0"/>
-              <a:t>10/7/2022</a:t>
+              <a:t>10/8/2022</a:t>
             </a:fld>
             <a:endParaRPr lang="en-US"/>
           </a:p>
@@ -3880,7 +3880,7 @@
           <a:p>
             <a:fld id="{48A87A34-81AB-432B-8DAE-1953F412C126}" type="datetimeFigureOut">
               <a:rPr lang="en-US" smtClean="0"/>
-              <a:t>10/7/2022</a:t>
+              <a:t>10/8/2022</a:t>
             </a:fld>
             <a:endParaRPr lang="en-US"/>
           </a:p>
@@ -4334,7 +4334,7 @@
           <a:p>
             <a:fld id="{48A87A34-81AB-432B-8DAE-1953F412C126}" type="datetimeFigureOut">
               <a:rPr lang="en-US" smtClean="0"/>
-              <a:t>10/7/2022</a:t>
+              <a:t>10/8/2022</a:t>
             </a:fld>
             <a:endParaRPr lang="en-US"/>
           </a:p>
@@ -4910,7 +4910,7 @@
           <a:p>
             <a:fld id="{48A87A34-81AB-432B-8DAE-1953F412C126}" type="datetimeFigureOut">
               <a:rPr lang="en-US" smtClean="0"/>
-              <a:t>10/7/2022</a:t>
+              <a:t>10/8/2022</a:t>
             </a:fld>
             <a:endParaRPr lang="en-US"/>
           </a:p>
@@ -5762,7 +5762,7 @@
           <a:p>
             <a:fld id="{48A87A34-81AB-432B-8DAE-1953F412C126}" type="datetimeFigureOut">
               <a:rPr lang="en-US" smtClean="0"/>
-              <a:t>10/7/2022</a:t>
+              <a:t>10/8/2022</a:t>
             </a:fld>
             <a:endParaRPr lang="en-US"/>
           </a:p>
@@ -5967,7 +5967,7 @@
           <a:p>
             <a:fld id="{48A87A34-81AB-432B-8DAE-1953F412C126}" type="datetimeFigureOut">
               <a:rPr lang="en-US" smtClean="0"/>
-              <a:t>10/7/2022</a:t>
+              <a:t>10/8/2022</a:t>
             </a:fld>
             <a:endParaRPr lang="en-US"/>
           </a:p>
@@ -6181,7 +6181,7 @@
           <a:p>
             <a:fld id="{48A87A34-81AB-432B-8DAE-1953F412C126}" type="datetimeFigureOut">
               <a:rPr lang="en-US" smtClean="0"/>
-              <a:t>10/7/2022</a:t>
+              <a:t>10/8/2022</a:t>
             </a:fld>
             <a:endParaRPr lang="en-US"/>
           </a:p>
@@ -6415,7 +6415,7 @@
           <a:p>
             <a:fld id="{0BDD04BF-4FBA-428F-9620-7894B2DFEE27}" type="datetimeFigureOut">
               <a:rPr lang="en-US" smtClean="0"/>
-              <a:t>10/7/2022</a:t>
+              <a:t>10/8/2022</a:t>
             </a:fld>
             <a:endParaRPr lang="en-US"/>
           </a:p>
@@ -6684,7 +6684,7 @@
           <a:p>
             <a:fld id="{2180AF65-AE22-4D31-AB7E-E9194FBAA462}" type="datetimeFigureOut">
               <a:rPr lang="en-US" smtClean="0"/>
-              <a:t>10/7/2022</a:t>
+              <a:t>10/8/2022</a:t>
             </a:fld>
             <a:endParaRPr lang="en-US"/>
           </a:p>
@@ -7071,7 +7071,7 @@
           <a:p>
             <a:fld id="{5902F4F5-9F0E-4517-B904-C34191535763}" type="datetimeFigureOut">
               <a:rPr lang="en-US" smtClean="0"/>
-              <a:t>10/7/2022</a:t>
+              <a:t>10/8/2022</a:t>
             </a:fld>
             <a:endParaRPr lang="en-US"/>
           </a:p>
@@ -7184,7 +7184,7 @@
           <a:p>
             <a:fld id="{0BE813C8-FFC6-46D8-8DFA-EF6A0BDBFAEA}" type="datetimeFigureOut">
               <a:rPr lang="en-US" smtClean="0"/>
-              <a:t>10/7/2022</a:t>
+              <a:t>10/8/2022</a:t>
             </a:fld>
             <a:endParaRPr lang="en-US"/>
           </a:p>
@@ -7275,7 +7275,7 @@
           <a:p>
             <a:fld id="{85E48C8D-6CCB-4C65-A5E4-E9625027D9E4}" type="datetimeFigureOut">
               <a:rPr lang="en-US" smtClean="0"/>
-              <a:t>10/7/2022</a:t>
+              <a:t>10/8/2022</a:t>
             </a:fld>
             <a:endParaRPr lang="en-US"/>
           </a:p>
@@ -7529,7 +7529,7 @@
           <a:p>
             <a:fld id="{2E559C60-CDF3-4CED-AF8A-4EB99E6175B8}" type="datetimeFigureOut">
               <a:rPr lang="en-US" smtClean="0"/>
-              <a:t>10/7/2022</a:t>
+              <a:t>10/8/2022</a:t>
             </a:fld>
             <a:endParaRPr lang="en-US"/>
           </a:p>
@@ -7761,7 +7761,7 @@
           <a:p>
             <a:fld id="{2522E1BA-75BB-4306-BA3D-3A06A111F73F}" type="datetimeFigureOut">
               <a:rPr lang="en-US" smtClean="0"/>
-              <a:t>10/7/2022</a:t>
+              <a:t>10/8/2022</a:t>
             </a:fld>
             <a:endParaRPr lang="en-US"/>
           </a:p>
@@ -7967,7 +7967,7 @@
           <a:p>
             <a:fld id="{E8FD0B7A-F5DD-4F40-B4CB-3B2C354B893A}" type="datetimeFigureOut">
               <a:rPr lang="en-US" smtClean="0"/>
-              <a:t>10/7/2022</a:t>
+              <a:t>10/8/2022</a:t>
             </a:fld>
             <a:endParaRPr lang="en-US"/>
           </a:p>
@@ -8513,7 +8513,7 @@
           <a:p>
             <a:fld id="{E8FD0B7A-F5DD-4F40-B4CB-3B2C354B893A}" type="datetimeFigureOut">
               <a:rPr lang="en-US" smtClean="0"/>
-              <a:t>10/7/2022</a:t>
+              <a:t>10/8/2022</a:t>
             </a:fld>
             <a:endParaRPr lang="en-US"/>
           </a:p>
@@ -9133,12 +9133,8 @@
           </a:lstStyle>
           <a:p>
             <a:r>
-              <a:rPr lang="en-IN" dirty="0"/>
-              <a:t>                                         </a:t>
-            </a:r>
-            <a:r>
               <a:rPr lang="en-IN" b="1" dirty="0"/>
-              <a:t>Presented By</a:t>
+              <a:t>                                           Associates                         </a:t>
             </a:r>
           </a:p>
           <a:p>
@@ -9176,153 +9172,75 @@
           </a:p>
         </p:txBody>
       </p:sp>
-      <p:sp>
-        <p:nvSpPr>
-          <p:cNvPr id="9" name="Rectangle 8">
+      <p:pic>
+        <p:nvPicPr>
+          <p:cNvPr id="2" name="Picture 1">
             <a:extLst>
               <a:ext uri="{FF2B5EF4-FFF2-40B4-BE49-F238E27FC236}">
-                <a16:creationId xmlns:a16="http://schemas.microsoft.com/office/drawing/2014/main" id="{34E40051-D849-4297-804B-64631D458657}"/>
+                <a16:creationId xmlns:a16="http://schemas.microsoft.com/office/drawing/2014/main" id="{C07303EE-8B60-41F8-BA63-CD20AC6ECD80}"/>
               </a:ext>
             </a:extLst>
           </p:cNvPr>
-          <p:cNvSpPr/>
+          <p:cNvPicPr>
+            <a:picLocks noChangeAspect="1"/>
+          </p:cNvPicPr>
           <p:nvPr/>
-        </p:nvSpPr>
+        </p:nvPicPr>
+        <p:blipFill>
+          <a:blip r:embed="rId3"/>
+          <a:stretch>
+            <a:fillRect/>
+          </a:stretch>
+        </p:blipFill>
         <p:spPr>
           <a:xfrm>
-            <a:off x="1199456" y="3886200"/>
-            <a:ext cx="3289548" cy="1200329"/>
+            <a:off x="9624392" y="132994"/>
+            <a:ext cx="2428875" cy="884521"/>
           </a:xfrm>
           <a:prstGeom prst="rect">
             <a:avLst/>
           </a:prstGeom>
         </p:spPr>
+      </p:pic>
+      <p:sp>
+        <p:nvSpPr>
+          <p:cNvPr id="5" name="TextBox 4">
+            <a:extLst>
+              <a:ext uri="{FF2B5EF4-FFF2-40B4-BE49-F238E27FC236}">
+                <a16:creationId xmlns:a16="http://schemas.microsoft.com/office/drawing/2014/main" id="{BBC22488-7F86-416C-9E40-F9182FE7BD62}"/>
+              </a:ext>
+            </a:extLst>
+          </p:cNvPr>
+          <p:cNvSpPr txBox="1"/>
+          <p:nvPr/>
+        </p:nvSpPr>
+        <p:spPr>
+          <a:xfrm>
+            <a:off x="6919728" y="2280419"/>
+            <a:ext cx="1973682" cy="369332"/>
+          </a:xfrm>
+          <a:prstGeom prst="rect">
+            <a:avLst/>
+          </a:prstGeom>
+          <a:noFill/>
+        </p:spPr>
         <p:txBody>
-          <a:bodyPr wrap="square">
+          <a:bodyPr wrap="none" rtlCol="0">
             <a:spAutoFit/>
           </a:bodyPr>
-          <a:lstStyle>
-            <a:defPPr>
-              <a:defRPr lang="en-US"/>
-            </a:defPPr>
-            <a:lvl1pPr marL="0" algn="l" defTabSz="914400" rtl="0" eaLnBrk="1" latinLnBrk="0" hangingPunct="1">
-              <a:defRPr sz="1800" kern="1200">
-                <a:solidFill>
-                  <a:schemeClr val="tx1"/>
-                </a:solidFill>
-                <a:latin typeface="+mn-lt"/>
-                <a:ea typeface="+mn-ea"/>
-                <a:cs typeface="+mn-cs"/>
-              </a:defRPr>
-            </a:lvl1pPr>
-            <a:lvl2pPr marL="457200" algn="l" defTabSz="914400" rtl="0" eaLnBrk="1" latinLnBrk="0" hangingPunct="1">
-              <a:defRPr sz="1800" kern="1200">
-                <a:solidFill>
-                  <a:schemeClr val="tx1"/>
-                </a:solidFill>
-                <a:latin typeface="+mn-lt"/>
-                <a:ea typeface="+mn-ea"/>
-                <a:cs typeface="+mn-cs"/>
-              </a:defRPr>
-            </a:lvl2pPr>
-            <a:lvl3pPr marL="914400" algn="l" defTabSz="914400" rtl="0" eaLnBrk="1" latinLnBrk="0" hangingPunct="1">
-              <a:defRPr sz="1800" kern="1200">
-                <a:solidFill>
-                  <a:schemeClr val="tx1"/>
-                </a:solidFill>
-                <a:latin typeface="+mn-lt"/>
-                <a:ea typeface="+mn-ea"/>
-                <a:cs typeface="+mn-cs"/>
-              </a:defRPr>
-            </a:lvl3pPr>
-            <a:lvl4pPr marL="1371600" algn="l" defTabSz="914400" rtl="0" eaLnBrk="1" latinLnBrk="0" hangingPunct="1">
-              <a:defRPr sz="1800" kern="1200">
-                <a:solidFill>
-                  <a:schemeClr val="tx1"/>
-                </a:solidFill>
-                <a:latin typeface="+mn-lt"/>
-                <a:ea typeface="+mn-ea"/>
-                <a:cs typeface="+mn-cs"/>
-              </a:defRPr>
-            </a:lvl4pPr>
-            <a:lvl5pPr marL="1828800" algn="l" defTabSz="914400" rtl="0" eaLnBrk="1" latinLnBrk="0" hangingPunct="1">
-              <a:defRPr sz="1800" kern="1200">
-                <a:solidFill>
-                  <a:schemeClr val="tx1"/>
-                </a:solidFill>
-                <a:latin typeface="+mn-lt"/>
-                <a:ea typeface="+mn-ea"/>
-                <a:cs typeface="+mn-cs"/>
-              </a:defRPr>
-            </a:lvl5pPr>
-            <a:lvl6pPr marL="2286000" algn="l" defTabSz="914400" rtl="0" eaLnBrk="1" latinLnBrk="0" hangingPunct="1">
-              <a:defRPr sz="1800" kern="1200">
-                <a:solidFill>
-                  <a:schemeClr val="tx1"/>
-                </a:solidFill>
-                <a:latin typeface="+mn-lt"/>
-                <a:ea typeface="+mn-ea"/>
-                <a:cs typeface="+mn-cs"/>
-              </a:defRPr>
-            </a:lvl6pPr>
-            <a:lvl7pPr marL="2743200" algn="l" defTabSz="914400" rtl="0" eaLnBrk="1" latinLnBrk="0" hangingPunct="1">
-              <a:defRPr sz="1800" kern="1200">
-                <a:solidFill>
-                  <a:schemeClr val="tx1"/>
-                </a:solidFill>
-                <a:latin typeface="+mn-lt"/>
-                <a:ea typeface="+mn-ea"/>
-                <a:cs typeface="+mn-cs"/>
-              </a:defRPr>
-            </a:lvl7pPr>
-            <a:lvl8pPr marL="3200400" algn="l" defTabSz="914400" rtl="0" eaLnBrk="1" latinLnBrk="0" hangingPunct="1">
-              <a:defRPr sz="1800" kern="1200">
-                <a:solidFill>
-                  <a:schemeClr val="tx1"/>
-                </a:solidFill>
-                <a:latin typeface="+mn-lt"/>
-                <a:ea typeface="+mn-ea"/>
-                <a:cs typeface="+mn-cs"/>
-              </a:defRPr>
-            </a:lvl8pPr>
-            <a:lvl9pPr marL="3657600" algn="l" defTabSz="914400" rtl="0" eaLnBrk="1" latinLnBrk="0" hangingPunct="1">
-              <a:defRPr sz="1800" kern="1200">
-                <a:solidFill>
-                  <a:schemeClr val="tx1"/>
-                </a:solidFill>
-                <a:latin typeface="+mn-lt"/>
-                <a:ea typeface="+mn-ea"/>
-                <a:cs typeface="+mn-cs"/>
-              </a:defRPr>
-            </a:lvl9pPr>
-          </a:lstStyle>
-          <a:p>
-            <a:pPr algn="ctr"/>
+          <a:lstStyle/>
+          <a:p>
             <a:r>
-              <a:rPr lang="en-US" b="1"/>
-              <a:t>Under the Internal guidance of </a:t>
+              <a:rPr lang="en-US" b="1" dirty="0">
+                <a:latin typeface="Times New Roman" panose="02020603050405020304" pitchFamily="18" charset="0"/>
+                <a:cs typeface="Times New Roman" panose="02020603050405020304" pitchFamily="18" charset="0"/>
+              </a:rPr>
+              <a:t>CONTROL UNIT</a:t>
             </a:r>
-          </a:p>
-          <a:p>
-            <a:pPr algn="ctr"/>
-            <a:r>
-              <a:rPr lang="en-US" b="1"/>
-              <a:t>Felicitious Solutions</a:t>
-            </a:r>
-          </a:p>
-          <a:p>
-            <a:pPr algn="ctr"/>
-            <a:r>
-              <a:rPr lang="en-US" b="1"/>
-              <a:t>Under the external Guidance of</a:t>
-            </a:r>
-          </a:p>
-          <a:p>
-            <a:pPr algn="ctr"/>
-            <a:r>
-              <a:rPr lang="en-US" b="1"/>
-              <a:t>Brigosha Technologies</a:t>
-            </a:r>
+            <a:endParaRPr lang="en-IN" b="1" dirty="0">
+              <a:latin typeface="Times New Roman" panose="02020603050405020304" pitchFamily="18" charset="0"/>
+              <a:cs typeface="Times New Roman" panose="02020603050405020304" pitchFamily="18" charset="0"/>
+            </a:endParaRPr>
           </a:p>
         </p:txBody>
       </p:sp>
@@ -11603,13 +11521,13 @@
               <a:buChar char="§"/>
             </a:pPr>
             <a:r>
-              <a:rPr lang="en-US" sz="1600" b="1">
+              <a:rPr lang="en-US" sz="1600" b="1" dirty="0">
                 <a:latin typeface="Times New Roman"/>
                 <a:cs typeface="Calibri"/>
               </a:rPr>
-              <a:t>Hardware warning lamp status</a:t>
+              <a:t>Battery warning lamp status</a:t>
             </a:r>
-            <a:endParaRPr lang="en-US" sz="1600">
+            <a:endParaRPr lang="en-US" sz="1600" dirty="0">
               <a:cs typeface="Calibri"/>
             </a:endParaRPr>
           </a:p>
@@ -11619,7 +11537,7 @@
               <a:buChar char="§"/>
             </a:pPr>
             <a:r>
-              <a:rPr lang="en-US" sz="1600" b="1">
+              <a:rPr lang="en-US" sz="1600" b="1" dirty="0">
                 <a:latin typeface="Times New Roman"/>
                 <a:cs typeface="Calibri"/>
               </a:rPr>
@@ -11632,11 +11550,11 @@
               <a:buChar char="§"/>
             </a:pPr>
             <a:r>
-              <a:rPr lang="en-US" sz="1600" b="1">
+              <a:rPr lang="en-US" sz="1600" b="1" dirty="0">
                 <a:latin typeface="Times New Roman"/>
                 <a:cs typeface="Calibri"/>
               </a:rPr>
-              <a:t>Headlight washer</a:t>
+              <a:t>Rain sensor and fluid washer tank</a:t>
             </a:r>
           </a:p>
         </p:txBody>
@@ -15342,6 +15260,36 @@
           </a:p>
         </p:txBody>
       </p:sp>
+      <p:pic>
+        <p:nvPicPr>
+          <p:cNvPr id="3" name="Picture 2">
+            <a:extLst>
+              <a:ext uri="{FF2B5EF4-FFF2-40B4-BE49-F238E27FC236}">
+                <a16:creationId xmlns:a16="http://schemas.microsoft.com/office/drawing/2014/main" id="{995FDD8A-4347-42B5-B372-16BBBD37BF3E}"/>
+              </a:ext>
+            </a:extLst>
+          </p:cNvPr>
+          <p:cNvPicPr>
+            <a:picLocks noChangeAspect="1"/>
+          </p:cNvPicPr>
+          <p:nvPr/>
+        </p:nvPicPr>
+        <p:blipFill>
+          <a:blip r:embed="rId5"/>
+          <a:stretch>
+            <a:fillRect/>
+          </a:stretch>
+        </p:blipFill>
+        <p:spPr>
+          <a:xfrm>
+            <a:off x="9531646" y="62893"/>
+            <a:ext cx="2426418" cy="883997"/>
+          </a:xfrm>
+          <a:prstGeom prst="rect">
+            <a:avLst/>
+          </a:prstGeom>
+        </p:spPr>
+      </p:pic>
     </p:spTree>
     <p:extLst>
       <p:ext uri="{BB962C8B-B14F-4D97-AF65-F5344CB8AC3E}">
@@ -15728,8 +15676,15 @@
           <a:p>
             <a:pPr algn="ctr"/>
             <a:r>
-              <a:rPr lang="en-US" sz="2400" b="1"/>
+              <a:rPr lang="en-US" sz="2400" b="1" dirty="0"/>
               <a:t>Microcontroller</a:t>
+            </a:r>
+          </a:p>
+          <a:p>
+            <a:pPr algn="ctr"/>
+            <a:r>
+              <a:rPr lang="en-US" sz="2400" b="1" dirty="0"/>
+              <a:t>PIC18F458</a:t>
             </a:r>
           </a:p>
         </p:txBody>
@@ -18850,6 +18805,36 @@
           </a:prstGeom>
         </p:spPr>
       </p:pic>
+      <p:pic>
+        <p:nvPicPr>
+          <p:cNvPr id="25" name="Picture 24">
+            <a:extLst>
+              <a:ext uri="{FF2B5EF4-FFF2-40B4-BE49-F238E27FC236}">
+                <a16:creationId xmlns:a16="http://schemas.microsoft.com/office/drawing/2014/main" id="{CDA5F65B-EEC9-472B-BE9C-A627B91F5226}"/>
+              </a:ext>
+            </a:extLst>
+          </p:cNvPr>
+          <p:cNvPicPr>
+            <a:picLocks noChangeAspect="1"/>
+          </p:cNvPicPr>
+          <p:nvPr/>
+        </p:nvPicPr>
+        <p:blipFill>
+          <a:blip r:embed="rId7"/>
+          <a:stretch>
+            <a:fillRect/>
+          </a:stretch>
+        </p:blipFill>
+        <p:spPr>
+          <a:xfrm>
+            <a:off x="9658683" y="108091"/>
+            <a:ext cx="2426418" cy="883997"/>
+          </a:xfrm>
+          <a:prstGeom prst="rect">
+            <a:avLst/>
+          </a:prstGeom>
+        </p:spPr>
+      </p:pic>
     </p:spTree>
     <p:extLst>
       <p:ext uri="{BB962C8B-B14F-4D97-AF65-F5344CB8AC3E}">
@@ -19308,7 +19293,7 @@
           <a:p>
             <a:pPr algn="ctr"/>
             <a:r>
-              <a:rPr lang="en-US" sz="1600" b="1">
+              <a:rPr lang="en-US" sz="1600" b="1" dirty="0">
                 <a:solidFill>
                   <a:schemeClr val="tx1">
                     <a:lumMod val="95000"/>
@@ -19324,7 +19309,7 @@
           <a:p>
             <a:pPr algn="ctr"/>
             <a:r>
-              <a:rPr lang="en-US" sz="1400">
+              <a:rPr lang="en-US" sz="1400" dirty="0">
                 <a:latin typeface="Times New Roman" panose="02020603050405020304" pitchFamily="18" charset="0"/>
                 <a:cs typeface="Times New Roman" panose="02020603050405020304" pitchFamily="18" charset="0"/>
               </a:rPr>
@@ -19334,7 +19319,7 @@
           <a:p>
             <a:pPr algn="ctr"/>
             <a:r>
-              <a:rPr lang="en-US" sz="1400">
+              <a:rPr lang="en-US" sz="1400" dirty="0">
                 <a:latin typeface="Times New Roman" panose="02020603050405020304" pitchFamily="18" charset="0"/>
                 <a:cs typeface="Times New Roman" panose="02020603050405020304" pitchFamily="18" charset="0"/>
               </a:rPr>
@@ -19344,7 +19329,7 @@
           <a:p>
             <a:pPr algn="ctr"/>
             <a:r>
-              <a:rPr lang="en-US" sz="1400">
+              <a:rPr lang="en-US" sz="1400" dirty="0">
                 <a:solidFill>
                   <a:schemeClr val="tx1"/>
                 </a:solidFill>
@@ -19357,7 +19342,7 @@
           <a:p>
             <a:pPr algn="ctr"/>
             <a:r>
-              <a:rPr lang="en-US" sz="1400">
+              <a:rPr lang="en-US" sz="1400" dirty="0">
                 <a:solidFill>
                   <a:schemeClr val="tx1">
                     <a:lumMod val="95000"/>
@@ -19373,7 +19358,7 @@
           <a:p>
             <a:pPr algn="ctr"/>
             <a:r>
-              <a:rPr lang="en-US" sz="1400">
+              <a:rPr lang="en-US" sz="1400" dirty="0">
                 <a:latin typeface="Times New Roman" panose="02020603050405020304" pitchFamily="18" charset="0"/>
                 <a:cs typeface="Times New Roman" panose="02020603050405020304" pitchFamily="18" charset="0"/>
               </a:rPr>
@@ -19383,7 +19368,7 @@
           <a:p>
             <a:pPr algn="ctr"/>
             <a:r>
-              <a:rPr lang="en-US" sz="1400">
+              <a:rPr lang="en-US" sz="1400" dirty="0">
                 <a:latin typeface="Times New Roman" panose="02020603050405020304" pitchFamily="18" charset="0"/>
                 <a:cs typeface="Times New Roman" panose="02020603050405020304" pitchFamily="18" charset="0"/>
               </a:rPr>
@@ -19393,7 +19378,7 @@
           <a:p>
             <a:pPr algn="ctr"/>
             <a:r>
-              <a:rPr lang="en-US" sz="1400">
+              <a:rPr lang="en-US" sz="1400" dirty="0">
                 <a:solidFill>
                   <a:schemeClr val="tx1">
                     <a:lumMod val="95000"/>
@@ -19409,7 +19394,7 @@
           <a:p>
             <a:pPr algn="ctr"/>
             <a:r>
-              <a:rPr lang="en-US" sz="1400">
+              <a:rPr lang="en-US" sz="1400" dirty="0">
                 <a:solidFill>
                   <a:schemeClr val="tx1"/>
                 </a:solidFill>
@@ -19419,7 +19404,7 @@
               <a:t>warning_lamp ( </a:t>
             </a:r>
             <a:r>
-              <a:rPr lang="en-US" sz="1400" b="1">
+              <a:rPr lang="en-US" sz="1400" b="1" dirty="0">
                 <a:solidFill>
                   <a:schemeClr val="tx1"/>
                 </a:solidFill>
@@ -19431,7 +19416,7 @@
           </a:p>
           <a:p>
             <a:pPr algn="ctr"/>
-            <a:endParaRPr lang="en-US" sz="1400" b="1">
+            <a:endParaRPr lang="en-US" sz="1400" b="1" dirty="0">
               <a:solidFill>
                 <a:schemeClr val="tx1">
                   <a:lumMod val="95000"/>
@@ -20111,7 +20096,7 @@
         </p:nvSpPr>
         <p:spPr>
           <a:xfrm>
-            <a:off x="7685857" y="597291"/>
+            <a:off x="7714287" y="741740"/>
             <a:ext cx="2994671" cy="1515648"/>
           </a:xfrm>
           <a:prstGeom prst="roundRect">
@@ -22127,7 +22112,7 @@
         </p:blipFill>
         <p:spPr>
           <a:xfrm>
-            <a:off x="7759539" y="706883"/>
+            <a:off x="7740302" y="957884"/>
             <a:ext cx="329213" cy="243861"/>
           </a:xfrm>
           <a:prstGeom prst="rect">
@@ -22149,7 +22134,7 @@
         </p:nvSpPr>
         <p:spPr>
           <a:xfrm>
-            <a:off x="7756612" y="644148"/>
+            <a:off x="7769518" y="890620"/>
             <a:ext cx="329213" cy="369332"/>
           </a:xfrm>
           <a:prstGeom prst="rect">
@@ -24111,6 +24096,36 @@
           </a:fontRef>
         </p:style>
       </p:cxnSp>
+      <p:pic>
+        <p:nvPicPr>
+          <p:cNvPr id="36" name="Picture 35">
+            <a:extLst>
+              <a:ext uri="{FF2B5EF4-FFF2-40B4-BE49-F238E27FC236}">
+                <a16:creationId xmlns:a16="http://schemas.microsoft.com/office/drawing/2014/main" id="{EFF3E530-6B8C-4FFF-B66B-62907A159975}"/>
+              </a:ext>
+            </a:extLst>
+          </p:cNvPr>
+          <p:cNvPicPr>
+            <a:picLocks noChangeAspect="1"/>
+          </p:cNvPicPr>
+          <p:nvPr/>
+        </p:nvPicPr>
+        <p:blipFill>
+          <a:blip r:embed="rId4"/>
+          <a:stretch>
+            <a:fillRect/>
+          </a:stretch>
+        </p:blipFill>
+        <p:spPr>
+          <a:xfrm>
+            <a:off x="10031369" y="0"/>
+            <a:ext cx="2043005" cy="741740"/>
+          </a:xfrm>
+          <a:prstGeom prst="rect">
+            <a:avLst/>
+          </a:prstGeom>
+        </p:spPr>
+      </p:pic>
     </p:spTree>
     <p:extLst>
       <p:ext uri="{BB962C8B-B14F-4D97-AF65-F5344CB8AC3E}">
@@ -25043,84 +25058,6 @@
           </a:p>
         </p:txBody>
       </p:sp>
-      <p:cxnSp>
-        <p:nvCxnSpPr>
-          <p:cNvPr id="6" name="Straight Arrow Connector 5">
-            <a:extLst>
-              <a:ext uri="{FF2B5EF4-FFF2-40B4-BE49-F238E27FC236}">
-                <a16:creationId xmlns:a16="http://schemas.microsoft.com/office/drawing/2014/main" id="{BEF9A406-6D9A-43AB-B4EB-034620FC730C}"/>
-              </a:ext>
-            </a:extLst>
-          </p:cNvPr>
-          <p:cNvCxnSpPr/>
-          <p:nvPr/>
-        </p:nvCxnSpPr>
-        <p:spPr>
-          <a:xfrm flipH="1">
-            <a:off x="5844209" y="1389305"/>
-            <a:ext cx="0" cy="704538"/>
-          </a:xfrm>
-          <a:prstGeom prst="straightConnector1">
-            <a:avLst/>
-          </a:prstGeom>
-          <a:ln>
-            <a:tailEnd type="triangle"/>
-          </a:ln>
-        </p:spPr>
-        <p:style>
-          <a:lnRef idx="3">
-            <a:schemeClr val="dk1"/>
-          </a:lnRef>
-          <a:fillRef idx="0">
-            <a:schemeClr val="dk1"/>
-          </a:fillRef>
-          <a:effectRef idx="2">
-            <a:schemeClr val="dk1"/>
-          </a:effectRef>
-          <a:fontRef idx="minor">
-            <a:schemeClr val="tx1"/>
-          </a:fontRef>
-        </p:style>
-      </p:cxnSp>
-      <p:cxnSp>
-        <p:nvCxnSpPr>
-          <p:cNvPr id="7" name="Straight Arrow Connector 6">
-            <a:extLst>
-              <a:ext uri="{FF2B5EF4-FFF2-40B4-BE49-F238E27FC236}">
-                <a16:creationId xmlns:a16="http://schemas.microsoft.com/office/drawing/2014/main" id="{D1E83534-5B85-4014-89A8-C83D866DE4B5}"/>
-              </a:ext>
-            </a:extLst>
-          </p:cNvPr>
-          <p:cNvCxnSpPr/>
-          <p:nvPr/>
-        </p:nvCxnSpPr>
-        <p:spPr>
-          <a:xfrm flipH="1">
-            <a:off x="5811076" y="5168348"/>
-            <a:ext cx="0" cy="583095"/>
-          </a:xfrm>
-          <a:prstGeom prst="straightConnector1">
-            <a:avLst/>
-          </a:prstGeom>
-          <a:ln>
-            <a:tailEnd type="triangle"/>
-          </a:ln>
-        </p:spPr>
-        <p:style>
-          <a:lnRef idx="3">
-            <a:schemeClr val="dk1"/>
-          </a:lnRef>
-          <a:fillRef idx="0">
-            <a:schemeClr val="dk1"/>
-          </a:fillRef>
-          <a:effectRef idx="2">
-            <a:schemeClr val="dk1"/>
-          </a:effectRef>
-          <a:fontRef idx="minor">
-            <a:schemeClr val="tx1"/>
-          </a:fontRef>
-        </p:style>
-      </p:cxnSp>
       <p:sp>
         <p:nvSpPr>
           <p:cNvPr id="8" name="TextBox 7">
@@ -25257,6 +25194,114 @@
           </a:p>
         </p:txBody>
       </p:sp>
+      <p:pic>
+        <p:nvPicPr>
+          <p:cNvPr id="2" name="Picture 1">
+            <a:extLst>
+              <a:ext uri="{FF2B5EF4-FFF2-40B4-BE49-F238E27FC236}">
+                <a16:creationId xmlns:a16="http://schemas.microsoft.com/office/drawing/2014/main" id="{72965183-9A78-4498-88F3-FC725A38E2BE}"/>
+              </a:ext>
+            </a:extLst>
+          </p:cNvPr>
+          <p:cNvPicPr>
+            <a:picLocks noChangeAspect="1"/>
+          </p:cNvPicPr>
+          <p:nvPr/>
+        </p:nvPicPr>
+        <p:blipFill>
+          <a:blip r:embed="rId2"/>
+          <a:stretch>
+            <a:fillRect/>
+          </a:stretch>
+        </p:blipFill>
+        <p:spPr>
+          <a:xfrm>
+            <a:off x="9552384" y="38503"/>
+            <a:ext cx="2426418" cy="883997"/>
+          </a:xfrm>
+          <a:prstGeom prst="rect">
+            <a:avLst/>
+          </a:prstGeom>
+        </p:spPr>
+      </p:pic>
+      <p:cxnSp>
+        <p:nvCxnSpPr>
+          <p:cNvPr id="9" name="Straight Arrow Connector 8">
+            <a:extLst>
+              <a:ext uri="{FF2B5EF4-FFF2-40B4-BE49-F238E27FC236}">
+                <a16:creationId xmlns:a16="http://schemas.microsoft.com/office/drawing/2014/main" id="{86E2AA56-A78C-45EA-9189-8C0697D3FBB5}"/>
+              </a:ext>
+            </a:extLst>
+          </p:cNvPr>
+          <p:cNvCxnSpPr/>
+          <p:nvPr/>
+        </p:nvCxnSpPr>
+        <p:spPr>
+          <a:xfrm flipH="1">
+            <a:off x="5844209" y="5301208"/>
+            <a:ext cx="0" cy="381000"/>
+          </a:xfrm>
+          <a:prstGeom prst="straightConnector1">
+            <a:avLst/>
+          </a:prstGeom>
+          <a:ln>
+            <a:tailEnd type="triangle"/>
+          </a:ln>
+        </p:spPr>
+        <p:style>
+          <a:lnRef idx="1">
+            <a:schemeClr val="accent1"/>
+          </a:lnRef>
+          <a:fillRef idx="0">
+            <a:schemeClr val="accent1"/>
+          </a:fillRef>
+          <a:effectRef idx="0">
+            <a:schemeClr val="accent1"/>
+          </a:effectRef>
+          <a:fontRef idx="minor">
+            <a:schemeClr val="tx1"/>
+          </a:fontRef>
+        </p:style>
+      </p:cxnSp>
+      <p:cxnSp>
+        <p:nvCxnSpPr>
+          <p:cNvPr id="10" name="Straight Arrow Connector 9">
+            <a:extLst>
+              <a:ext uri="{FF2B5EF4-FFF2-40B4-BE49-F238E27FC236}">
+                <a16:creationId xmlns:a16="http://schemas.microsoft.com/office/drawing/2014/main" id="{97533284-1649-44A3-BE10-DCC89341E323}"/>
+              </a:ext>
+            </a:extLst>
+          </p:cNvPr>
+          <p:cNvCxnSpPr/>
+          <p:nvPr/>
+        </p:nvCxnSpPr>
+        <p:spPr>
+          <a:xfrm flipH="1">
+            <a:off x="5903310" y="1556792"/>
+            <a:ext cx="0" cy="381000"/>
+          </a:xfrm>
+          <a:prstGeom prst="straightConnector1">
+            <a:avLst/>
+          </a:prstGeom>
+          <a:ln>
+            <a:tailEnd type="triangle"/>
+          </a:ln>
+        </p:spPr>
+        <p:style>
+          <a:lnRef idx="1">
+            <a:schemeClr val="accent1"/>
+          </a:lnRef>
+          <a:fillRef idx="0">
+            <a:schemeClr val="accent1"/>
+          </a:fillRef>
+          <a:effectRef idx="0">
+            <a:schemeClr val="accent1"/>
+          </a:effectRef>
+          <a:fontRef idx="minor">
+            <a:schemeClr val="tx1"/>
+          </a:fontRef>
+        </p:style>
+      </p:cxnSp>
     </p:spTree>
     <p:extLst>
       <p:ext uri="{BB962C8B-B14F-4D97-AF65-F5344CB8AC3E}">
@@ -27804,6 +27849,36 @@
           </a:p>
         </p:txBody>
       </p:sp>
+      <p:pic>
+        <p:nvPicPr>
+          <p:cNvPr id="2" name="Picture 1">
+            <a:extLst>
+              <a:ext uri="{FF2B5EF4-FFF2-40B4-BE49-F238E27FC236}">
+                <a16:creationId xmlns:a16="http://schemas.microsoft.com/office/drawing/2014/main" id="{7AC05B69-4434-4649-9144-1DC052292441}"/>
+              </a:ext>
+            </a:extLst>
+          </p:cNvPr>
+          <p:cNvPicPr>
+            <a:picLocks noChangeAspect="1"/>
+          </p:cNvPicPr>
+          <p:nvPr/>
+        </p:nvPicPr>
+        <p:blipFill>
+          <a:blip r:embed="rId2"/>
+          <a:stretch>
+            <a:fillRect/>
+          </a:stretch>
+        </p:blipFill>
+        <p:spPr>
+          <a:xfrm>
+            <a:off x="9765582" y="21008"/>
+            <a:ext cx="2426418" cy="883997"/>
+          </a:xfrm>
+          <a:prstGeom prst="rect">
+            <a:avLst/>
+          </a:prstGeom>
+        </p:spPr>
+      </p:pic>
     </p:spTree>
     <p:extLst>
       <p:ext uri="{BB962C8B-B14F-4D97-AF65-F5344CB8AC3E}">
@@ -31066,6 +31141,36 @@
           </a:p>
         </p:txBody>
       </p:sp>
+      <p:pic>
+        <p:nvPicPr>
+          <p:cNvPr id="2" name="Picture 1">
+            <a:extLst>
+              <a:ext uri="{FF2B5EF4-FFF2-40B4-BE49-F238E27FC236}">
+                <a16:creationId xmlns:a16="http://schemas.microsoft.com/office/drawing/2014/main" id="{3BAF94DF-BEF1-4137-A126-D0EA431A1B89}"/>
+              </a:ext>
+            </a:extLst>
+          </p:cNvPr>
+          <p:cNvPicPr>
+            <a:picLocks noChangeAspect="1"/>
+          </p:cNvPicPr>
+          <p:nvPr/>
+        </p:nvPicPr>
+        <p:blipFill>
+          <a:blip r:embed="rId2"/>
+          <a:stretch>
+            <a:fillRect/>
+          </a:stretch>
+        </p:blipFill>
+        <p:spPr>
+          <a:xfrm>
+            <a:off x="9765582" y="24920"/>
+            <a:ext cx="2426418" cy="883997"/>
+          </a:xfrm>
+          <a:prstGeom prst="rect">
+            <a:avLst/>
+          </a:prstGeom>
+        </p:spPr>
+      </p:pic>
     </p:spTree>
     <p:extLst>
       <p:ext uri="{BB962C8B-B14F-4D97-AF65-F5344CB8AC3E}">
@@ -34330,6 +34435,36 @@
           </a:p>
         </p:txBody>
       </p:sp>
+      <p:pic>
+        <p:nvPicPr>
+          <p:cNvPr id="2" name="Picture 1">
+            <a:extLst>
+              <a:ext uri="{FF2B5EF4-FFF2-40B4-BE49-F238E27FC236}">
+                <a16:creationId xmlns:a16="http://schemas.microsoft.com/office/drawing/2014/main" id="{0380EF1E-526A-4217-8B30-826BB3A52F85}"/>
+              </a:ext>
+            </a:extLst>
+          </p:cNvPr>
+          <p:cNvPicPr>
+            <a:picLocks noChangeAspect="1"/>
+          </p:cNvPicPr>
+          <p:nvPr/>
+        </p:nvPicPr>
+        <p:blipFill>
+          <a:blip r:embed="rId2"/>
+          <a:stretch>
+            <a:fillRect/>
+          </a:stretch>
+        </p:blipFill>
+        <p:spPr>
+          <a:xfrm>
+            <a:off x="9765582" y="28465"/>
+            <a:ext cx="2426418" cy="883997"/>
+          </a:xfrm>
+          <a:prstGeom prst="rect">
+            <a:avLst/>
+          </a:prstGeom>
+        </p:spPr>
+      </p:pic>
     </p:spTree>
     <p:extLst>
       <p:ext uri="{BB962C8B-B14F-4D97-AF65-F5344CB8AC3E}">
@@ -37472,6 +37607,36 @@
           </a:p>
         </p:txBody>
       </p:sp>
+      <p:pic>
+        <p:nvPicPr>
+          <p:cNvPr id="2" name="Picture 1">
+            <a:extLst>
+              <a:ext uri="{FF2B5EF4-FFF2-40B4-BE49-F238E27FC236}">
+                <a16:creationId xmlns:a16="http://schemas.microsoft.com/office/drawing/2014/main" id="{C5B9FB0C-42C1-47AF-A1B4-6CDD5952E690}"/>
+              </a:ext>
+            </a:extLst>
+          </p:cNvPr>
+          <p:cNvPicPr>
+            <a:picLocks noChangeAspect="1"/>
+          </p:cNvPicPr>
+          <p:nvPr/>
+        </p:nvPicPr>
+        <p:blipFill>
+          <a:blip r:embed="rId2"/>
+          <a:stretch>
+            <a:fillRect/>
+          </a:stretch>
+        </p:blipFill>
+        <p:spPr>
+          <a:xfrm>
+            <a:off x="9670265" y="0"/>
+            <a:ext cx="2426418" cy="883997"/>
+          </a:xfrm>
+          <a:prstGeom prst="rect">
+            <a:avLst/>
+          </a:prstGeom>
+        </p:spPr>
+      </p:pic>
     </p:spTree>
     <p:extLst>
       <p:ext uri="{BB962C8B-B14F-4D97-AF65-F5344CB8AC3E}">
@@ -37486,170 +37651,6 @@
 </file>
 
 <file path=ppt/slides/slide18.xml><?xml version="1.0" encoding="utf-8"?>
-<p:sld xmlns:a="http://schemas.openxmlformats.org/drawingml/2006/main" xmlns:r="http://schemas.openxmlformats.org/officeDocument/2006/relationships" xmlns:p="http://schemas.openxmlformats.org/presentationml/2006/main">
-  <p:cSld>
-    <p:spTree>
-      <p:nvGrpSpPr>
-        <p:cNvPr id="1" name=""/>
-        <p:cNvGrpSpPr/>
-        <p:nvPr/>
-      </p:nvGrpSpPr>
-      <p:grpSpPr>
-        <a:xfrm>
-          <a:off x="0" y="0"/>
-          <a:ext cx="0" cy="0"/>
-          <a:chOff x="0" y="0"/>
-          <a:chExt cx="0" cy="0"/>
-        </a:xfrm>
-      </p:grpSpPr>
-      <p:sp>
-        <p:nvSpPr>
-          <p:cNvPr id="5" name="Title 4">
-            <a:extLst>
-              <a:ext uri="{FF2B5EF4-FFF2-40B4-BE49-F238E27FC236}">
-                <a16:creationId xmlns:a16="http://schemas.microsoft.com/office/drawing/2014/main" id="{ACB732DA-214D-6777-401D-C5D1FBEEF051}"/>
-              </a:ext>
-            </a:extLst>
-          </p:cNvPr>
-          <p:cNvSpPr>
-            <a:spLocks noGrp="1"/>
-          </p:cNvSpPr>
-          <p:nvPr>
-            <p:ph type="title"/>
-          </p:nvPr>
-        </p:nvSpPr>
-        <p:spPr>
-          <a:xfrm>
-            <a:off x="913774" y="268712"/>
-            <a:ext cx="10364451" cy="1596177"/>
-          </a:xfrm>
-        </p:spPr>
-        <p:txBody>
-          <a:bodyPr/>
-          <a:lstStyle/>
-          <a:p>
-            <a:r>
-              <a:rPr lang="en-US" dirty="0">
-                <a:latin typeface="Times New Roman" panose="02020603050405020304" pitchFamily="18" charset="0"/>
-                <a:cs typeface="Times New Roman" panose="02020603050405020304" pitchFamily="18" charset="0"/>
-              </a:rPr>
-              <a:t>ADVANTAGES</a:t>
-            </a:r>
-          </a:p>
-        </p:txBody>
-      </p:sp>
-      <p:sp>
-        <p:nvSpPr>
-          <p:cNvPr id="3" name="Content Placeholder 2">
-            <a:extLst>
-              <a:ext uri="{FF2B5EF4-FFF2-40B4-BE49-F238E27FC236}">
-                <a16:creationId xmlns:a16="http://schemas.microsoft.com/office/drawing/2014/main" id="{C03451C9-DD0D-2AE8-3204-57BE79C30BAA}"/>
-              </a:ext>
-            </a:extLst>
-          </p:cNvPr>
-          <p:cNvSpPr>
-            <a:spLocks noGrp="1"/>
-          </p:cNvSpPr>
-          <p:nvPr>
-            <p:ph sz="quarter" idx="13"/>
-          </p:nvPr>
-        </p:nvSpPr>
-        <p:spPr/>
-        <p:txBody>
-          <a:bodyPr vert="horz" lIns="91440" tIns="45720" rIns="91440" bIns="45720" rtlCol="0" anchor="t">
-            <a:normAutofit/>
-          </a:bodyPr>
-          <a:lstStyle/>
-          <a:p>
-            <a:r>
-              <a:rPr lang="en-US" cap="none" dirty="0">
-                <a:latin typeface="Times New Roman"/>
-                <a:ea typeface="+mn-lt"/>
-                <a:cs typeface="+mn-lt"/>
-              </a:rPr>
-              <a:t>Helps keep the rear windshield clean</a:t>
-            </a:r>
-            <a:endParaRPr lang="en-US" cap="none" dirty="0">
-              <a:latin typeface="Times New Roman"/>
-              <a:cs typeface="Times New Roman"/>
-            </a:endParaRPr>
-          </a:p>
-          <a:p>
-            <a:pPr>
-              <a:buClr>
-                <a:srgbClr val="000000"/>
-              </a:buClr>
-            </a:pPr>
-            <a:r>
-              <a:rPr lang="en-US" cap="none" dirty="0">
-                <a:latin typeface="Times New Roman"/>
-                <a:ea typeface="+mn-lt"/>
-                <a:cs typeface="+mn-lt"/>
-              </a:rPr>
-              <a:t>Improves rear visibility, especially in rain</a:t>
-            </a:r>
-            <a:endParaRPr lang="en-US" cap="none" dirty="0">
-              <a:latin typeface="Times New Roman"/>
-              <a:cs typeface="Times New Roman"/>
-            </a:endParaRPr>
-          </a:p>
-          <a:p>
-            <a:pPr>
-              <a:buClr>
-                <a:srgbClr val="000000"/>
-              </a:buClr>
-            </a:pPr>
-            <a:r>
-              <a:rPr lang="en-US" cap="none" dirty="0">
-                <a:latin typeface="Times New Roman"/>
-                <a:ea typeface="+mn-lt"/>
-                <a:cs typeface="+mn-lt"/>
-              </a:rPr>
-              <a:t>Ensures clear vision while reversing or parking</a:t>
-            </a:r>
-          </a:p>
-          <a:p>
-            <a:pPr>
-              <a:buClr>
-                <a:srgbClr val="000000"/>
-              </a:buClr>
-            </a:pPr>
-            <a:r>
-              <a:rPr lang="en-US" cap="none" dirty="0">
-                <a:latin typeface="Times New Roman"/>
-                <a:ea typeface="+mn-lt"/>
-                <a:cs typeface="+mn-lt"/>
-              </a:rPr>
-              <a:t>Cleans off INSECTS,SLUSH,MUD and oily road film.</a:t>
-            </a:r>
-            <a:endParaRPr lang="en-US" cap="none" dirty="0">
-              <a:latin typeface="Times New Roman"/>
-            </a:endParaRPr>
-          </a:p>
-          <a:p>
-            <a:pPr>
-              <a:buClr>
-                <a:srgbClr val="000000"/>
-              </a:buClr>
-            </a:pPr>
-            <a:endParaRPr lang="en-US" dirty="0"/>
-          </a:p>
-        </p:txBody>
-      </p:sp>
-    </p:spTree>
-    <p:extLst>
-      <p:ext uri="{BB962C8B-B14F-4D97-AF65-F5344CB8AC3E}">
-        <p14:creationId xmlns:p14="http://schemas.microsoft.com/office/powerpoint/2010/main" val="3215418370"/>
-      </p:ext>
-    </p:extLst>
-  </p:cSld>
-  <p:clrMapOvr>
-    <a:masterClrMapping/>
-  </p:clrMapOvr>
-</p:sld>
-</file>
-
-<file path=ppt/slides/slide19.xml><?xml version="1.0" encoding="utf-8"?>
 <p:sld xmlns:a="http://schemas.openxmlformats.org/drawingml/2006/main" xmlns:r="http://schemas.openxmlformats.org/officeDocument/2006/relationships" xmlns:p="http://schemas.openxmlformats.org/presentationml/2006/main">
   <p:cSld>
     <p:spTree>
@@ -37769,10 +37770,181 @@
           </a:p>
         </p:txBody>
       </p:sp>
+      <p:pic>
+        <p:nvPicPr>
+          <p:cNvPr id="4" name="Picture 3">
+            <a:extLst>
+              <a:ext uri="{FF2B5EF4-FFF2-40B4-BE49-F238E27FC236}">
+                <a16:creationId xmlns:a16="http://schemas.microsoft.com/office/drawing/2014/main" id="{91AD6D5C-0F07-4D06-BCF1-F54957FD1D92}"/>
+              </a:ext>
+            </a:extLst>
+          </p:cNvPr>
+          <p:cNvPicPr>
+            <a:picLocks noChangeAspect="1"/>
+          </p:cNvPicPr>
+          <p:nvPr/>
+        </p:nvPicPr>
+        <p:blipFill>
+          <a:blip r:embed="rId2"/>
+          <a:stretch>
+            <a:fillRect/>
+          </a:stretch>
+        </p:blipFill>
+        <p:spPr>
+          <a:xfrm>
+            <a:off x="9765582" y="0"/>
+            <a:ext cx="2426418" cy="883997"/>
+          </a:xfrm>
+          <a:prstGeom prst="rect">
+            <a:avLst/>
+          </a:prstGeom>
+        </p:spPr>
+      </p:pic>
     </p:spTree>
     <p:extLst>
       <p:ext uri="{BB962C8B-B14F-4D97-AF65-F5344CB8AC3E}">
         <p14:creationId xmlns:p14="http://schemas.microsoft.com/office/powerpoint/2010/main" val="3334669611"/>
+      </p:ext>
+    </p:extLst>
+  </p:cSld>
+  <p:clrMapOvr>
+    <a:masterClrMapping/>
+  </p:clrMapOvr>
+</p:sld>
+</file>
+
+<file path=ppt/slides/slide19.xml><?xml version="1.0" encoding="utf-8"?>
+<p:sld xmlns:a="http://schemas.openxmlformats.org/drawingml/2006/main" xmlns:r="http://schemas.openxmlformats.org/officeDocument/2006/relationships" xmlns:p="http://schemas.openxmlformats.org/presentationml/2006/main">
+  <p:cSld>
+    <p:spTree>
+      <p:nvGrpSpPr>
+        <p:cNvPr id="1" name=""/>
+        <p:cNvGrpSpPr/>
+        <p:nvPr/>
+      </p:nvGrpSpPr>
+      <p:grpSpPr>
+        <a:xfrm>
+          <a:off x="0" y="0"/>
+          <a:ext cx="0" cy="0"/>
+          <a:chOff x="0" y="0"/>
+          <a:chExt cx="0" cy="0"/>
+        </a:xfrm>
+      </p:grpSpPr>
+      <p:sp>
+        <p:nvSpPr>
+          <p:cNvPr id="2" name="Title 1">
+            <a:extLst>
+              <a:ext uri="{FF2B5EF4-FFF2-40B4-BE49-F238E27FC236}">
+                <a16:creationId xmlns:a16="http://schemas.microsoft.com/office/drawing/2014/main" id="{8BE01028-180A-311C-C281-0221F2C8D1D2}"/>
+              </a:ext>
+            </a:extLst>
+          </p:cNvPr>
+          <p:cNvSpPr>
+            <a:spLocks noGrp="1"/>
+          </p:cNvSpPr>
+          <p:nvPr>
+            <p:ph type="title"/>
+          </p:nvPr>
+        </p:nvSpPr>
+        <p:spPr>
+          <a:xfrm>
+            <a:off x="913149" y="404664"/>
+            <a:ext cx="10364451" cy="1596177"/>
+          </a:xfrm>
+        </p:spPr>
+        <p:txBody>
+          <a:bodyPr/>
+          <a:lstStyle/>
+          <a:p>
+            <a:r>
+              <a:rPr lang="en-US" dirty="0">
+                <a:latin typeface="Times New Roman" panose="02020603050405020304" pitchFamily="18" charset="0"/>
+                <a:cs typeface="Times New Roman" panose="02020603050405020304" pitchFamily="18" charset="0"/>
+              </a:rPr>
+              <a:t>CONCLUSION</a:t>
+            </a:r>
+          </a:p>
+        </p:txBody>
+      </p:sp>
+      <p:sp>
+        <p:nvSpPr>
+          <p:cNvPr id="3" name="Content Placeholder 2">
+            <a:extLst>
+              <a:ext uri="{FF2B5EF4-FFF2-40B4-BE49-F238E27FC236}">
+                <a16:creationId xmlns:a16="http://schemas.microsoft.com/office/drawing/2014/main" id="{89F0DE2B-3A6B-DCDC-ACC2-0FE996CE9132}"/>
+              </a:ext>
+            </a:extLst>
+          </p:cNvPr>
+          <p:cNvSpPr>
+            <a:spLocks noGrp="1"/>
+          </p:cNvSpPr>
+          <p:nvPr>
+            <p:ph sz="quarter" idx="13"/>
+          </p:nvPr>
+        </p:nvSpPr>
+        <p:spPr>
+          <a:xfrm>
+            <a:off x="551384" y="2132856"/>
+            <a:ext cx="11305255" cy="3424107"/>
+          </a:xfrm>
+        </p:spPr>
+        <p:txBody>
+          <a:bodyPr vert="horz" lIns="91440" tIns="45720" rIns="91440" bIns="45720" rtlCol="0" anchor="t">
+            <a:normAutofit/>
+          </a:bodyPr>
+          <a:lstStyle/>
+          <a:p>
+            <a:pPr marL="0" indent="0" algn="just">
+              <a:lnSpc>
+                <a:spcPct val="150000"/>
+              </a:lnSpc>
+              <a:buNone/>
+            </a:pPr>
+            <a:r>
+              <a:rPr lang="en-US" cap="none" dirty="0">
+                <a:latin typeface="Times New Roman"/>
+                <a:cs typeface="Times New Roman"/>
+              </a:rPr>
+              <a:t>As the conclusion for the project, the results shows all the aim objectives are successfully achieved. The wiper system was well functionally working according the switch condition for the windscreen of the car. The status of the inputs were obtained through CAN. This project showed a contribution on the design of the automatic wiper system for the future research in this field.</a:t>
+            </a:r>
+            <a:endParaRPr lang="en-US" dirty="0"/>
+          </a:p>
+        </p:txBody>
+      </p:sp>
+      <p:pic>
+        <p:nvPicPr>
+          <p:cNvPr id="4" name="Picture 3">
+            <a:extLst>
+              <a:ext uri="{FF2B5EF4-FFF2-40B4-BE49-F238E27FC236}">
+                <a16:creationId xmlns:a16="http://schemas.microsoft.com/office/drawing/2014/main" id="{9A023954-8126-4E24-B5CB-0D63637C8801}"/>
+              </a:ext>
+            </a:extLst>
+          </p:cNvPr>
+          <p:cNvPicPr>
+            <a:picLocks noChangeAspect="1"/>
+          </p:cNvPicPr>
+          <p:nvPr/>
+        </p:nvPicPr>
+        <p:blipFill>
+          <a:blip r:embed="rId2"/>
+          <a:stretch>
+            <a:fillRect/>
+          </a:stretch>
+        </p:blipFill>
+        <p:spPr>
+          <a:xfrm>
+            <a:off x="9765582" y="15213"/>
+            <a:ext cx="2426418" cy="849502"/>
+          </a:xfrm>
+          <a:prstGeom prst="rect">
+            <a:avLst/>
+          </a:prstGeom>
+        </p:spPr>
+      </p:pic>
+    </p:spTree>
+    <p:extLst>
+      <p:ext uri="{BB962C8B-B14F-4D97-AF65-F5344CB8AC3E}">
+        <p14:creationId xmlns:p14="http://schemas.microsoft.com/office/powerpoint/2010/main" val="3204777541"/>
       </p:ext>
     </p:extLst>
   </p:cSld>
@@ -37859,7 +38031,7 @@
         </p:spPr>
         <p:txBody>
           <a:bodyPr vert="horz" lIns="91440" tIns="45720" rIns="91440" bIns="45720" rtlCol="0" anchor="t">
-            <a:normAutofit fontScale="92500" lnSpcReduction="20000"/>
+            <a:normAutofit fontScale="92500" lnSpcReduction="10000"/>
           </a:bodyPr>
           <a:lstStyle/>
           <a:p>
@@ -37896,7 +38068,7 @@
                 <a:latin typeface="Times New Roman" panose="02020603050405020304" pitchFamily="18" charset="0"/>
                 <a:cs typeface="Times New Roman" panose="02020603050405020304" pitchFamily="18" charset="0"/>
               </a:rPr>
-              <a:t>AIMS &amp; OBJECTIVE</a:t>
+              <a:t>OBJECTIVE</a:t>
             </a:r>
           </a:p>
           <a:p>
@@ -37994,20 +38166,6 @@
                 <a:latin typeface="Times New Roman" panose="02020603050405020304" pitchFamily="18" charset="0"/>
                 <a:cs typeface="Times New Roman" panose="02020603050405020304" pitchFamily="18" charset="0"/>
               </a:rPr>
-              <a:t>ADVANTAGES </a:t>
-            </a:r>
-          </a:p>
-          <a:p>
-            <a:pPr>
-              <a:buClr>
-                <a:srgbClr val="000000"/>
-              </a:buClr>
-            </a:pPr>
-            <a:r>
-              <a:rPr lang="en-US" dirty="0">
-                <a:latin typeface="Times New Roman" panose="02020603050405020304" pitchFamily="18" charset="0"/>
-                <a:cs typeface="Times New Roman" panose="02020603050405020304" pitchFamily="18" charset="0"/>
-              </a:rPr>
               <a:t>SCOPE</a:t>
             </a:r>
           </a:p>
@@ -38027,6 +38185,36 @@
           </a:p>
         </p:txBody>
       </p:sp>
+      <p:pic>
+        <p:nvPicPr>
+          <p:cNvPr id="4" name="Picture 3">
+            <a:extLst>
+              <a:ext uri="{FF2B5EF4-FFF2-40B4-BE49-F238E27FC236}">
+                <a16:creationId xmlns:a16="http://schemas.microsoft.com/office/drawing/2014/main" id="{D7561A97-8FD5-40FD-B3DA-16630B77A163}"/>
+              </a:ext>
+            </a:extLst>
+          </p:cNvPr>
+          <p:cNvPicPr>
+            <a:picLocks noChangeAspect="1"/>
+          </p:cNvPicPr>
+          <p:nvPr/>
+        </p:nvPicPr>
+        <p:blipFill>
+          <a:blip r:embed="rId2"/>
+          <a:stretch>
+            <a:fillRect/>
+          </a:stretch>
+        </p:blipFill>
+        <p:spPr>
+          <a:xfrm>
+            <a:off x="9624392" y="116632"/>
+            <a:ext cx="2426418" cy="883997"/>
+          </a:xfrm>
+          <a:prstGeom prst="rect">
+            <a:avLst/>
+          </a:prstGeom>
+        </p:spPr>
+      </p:pic>
     </p:spTree>
     <p:extLst>
       <p:ext uri="{BB962C8B-B14F-4D97-AF65-F5344CB8AC3E}">
@@ -38059,89 +38247,44 @@
       </p:grpSpPr>
       <p:sp>
         <p:nvSpPr>
-          <p:cNvPr id="2" name="Title 1">
+          <p:cNvPr id="2" name="TextBox 1">
             <a:extLst>
               <a:ext uri="{FF2B5EF4-FFF2-40B4-BE49-F238E27FC236}">
-                <a16:creationId xmlns:a16="http://schemas.microsoft.com/office/drawing/2014/main" id="{8BE01028-180A-311C-C281-0221F2C8D1D2}"/>
+                <a16:creationId xmlns:a16="http://schemas.microsoft.com/office/drawing/2014/main" id="{BABC06D0-A6DE-4DD5-AC0C-6F386C934F97}"/>
               </a:ext>
             </a:extLst>
           </p:cNvPr>
-          <p:cNvSpPr>
-            <a:spLocks noGrp="1"/>
-          </p:cNvSpPr>
-          <p:nvPr>
-            <p:ph type="title"/>
-          </p:nvPr>
+          <p:cNvSpPr txBox="1"/>
+          <p:nvPr/>
         </p:nvSpPr>
         <p:spPr>
           <a:xfrm>
-            <a:off x="913149" y="404664"/>
-            <a:ext cx="10364451" cy="1596177"/>
+            <a:off x="3395292" y="2276872"/>
+            <a:ext cx="5401415" cy="1323439"/>
           </a:xfrm>
+          <a:prstGeom prst="rect">
+            <a:avLst/>
+          </a:prstGeom>
+          <a:noFill/>
         </p:spPr>
         <p:txBody>
-          <a:bodyPr/>
-          <a:lstStyle/>
-          <a:p>
-            <a:r>
-              <a:rPr lang="en-US" dirty="0">
-                <a:latin typeface="Times New Roman" panose="02020603050405020304" pitchFamily="18" charset="0"/>
-                <a:cs typeface="Times New Roman" panose="02020603050405020304" pitchFamily="18" charset="0"/>
-              </a:rPr>
-              <a:t>CONCLUSION</a:t>
-            </a:r>
-          </a:p>
-        </p:txBody>
-      </p:sp>
-      <p:sp>
-        <p:nvSpPr>
-          <p:cNvPr id="3" name="Content Placeholder 2">
-            <a:extLst>
-              <a:ext uri="{FF2B5EF4-FFF2-40B4-BE49-F238E27FC236}">
-                <a16:creationId xmlns:a16="http://schemas.microsoft.com/office/drawing/2014/main" id="{89F0DE2B-3A6B-DCDC-ACC2-0FE996CE9132}"/>
-              </a:ext>
-            </a:extLst>
-          </p:cNvPr>
-          <p:cNvSpPr>
-            <a:spLocks noGrp="1"/>
-          </p:cNvSpPr>
-          <p:nvPr>
-            <p:ph sz="quarter" idx="13"/>
-          </p:nvPr>
-        </p:nvSpPr>
-        <p:spPr>
-          <a:xfrm>
-            <a:off x="551384" y="2132856"/>
-            <a:ext cx="11305255" cy="3424107"/>
-          </a:xfrm>
-        </p:spPr>
-        <p:txBody>
-          <a:bodyPr vert="horz" lIns="91440" tIns="45720" rIns="91440" bIns="45720" rtlCol="0" anchor="t">
-            <a:normAutofit/>
+          <a:bodyPr wrap="none" rtlCol="0">
+            <a:spAutoFit/>
           </a:bodyPr>
           <a:lstStyle/>
           <a:p>
-            <a:pPr marL="0" indent="0" algn="just">
-              <a:lnSpc>
-                <a:spcPct val="150000"/>
-              </a:lnSpc>
-              <a:buNone/>
-            </a:pPr>
             <a:r>
-              <a:rPr lang="en-US" cap="none" dirty="0">
-                <a:latin typeface="Times New Roman"/>
-                <a:cs typeface="Times New Roman"/>
-              </a:rPr>
-              <a:t>As the conclusion for the project, the results shows all the aim objectives are successfully achieved. The wiper system was well functionally according the moisture condition from the windscreen of the car. This project showed a contribution on the design of the automatic wiper system for the future research in this field.</a:t>
+              <a:rPr lang="en-US" sz="8000" dirty="0"/>
+              <a:t>THANK-YOU</a:t>
             </a:r>
-            <a:endParaRPr lang="en-US" dirty="0"/>
+            <a:endParaRPr lang="en-IN" sz="8000" dirty="0"/>
           </a:p>
         </p:txBody>
       </p:sp>
     </p:spTree>
     <p:extLst>
       <p:ext uri="{BB962C8B-B14F-4D97-AF65-F5344CB8AC3E}">
-        <p14:creationId xmlns:p14="http://schemas.microsoft.com/office/powerpoint/2010/main" val="3204777541"/>
+        <p14:creationId xmlns:p14="http://schemas.microsoft.com/office/powerpoint/2010/main" val="3894103871"/>
       </p:ext>
     </p:extLst>
   </p:cSld>
@@ -38152,7 +38295,7 @@
 </file>
 
 <file path=ppt/slides/slide3.xml><?xml version="1.0" encoding="utf-8"?>
-<p:sld xmlns:a="http://schemas.openxmlformats.org/drawingml/2006/main" xmlns:r="http://schemas.openxmlformats.org/officeDocument/2006/relationships" xmlns:p="http://schemas.openxmlformats.org/presentationml/2006/main" show="0">
+<p:sld xmlns:a="http://schemas.openxmlformats.org/drawingml/2006/main" xmlns:r="http://schemas.openxmlformats.org/officeDocument/2006/relationships" xmlns:p="http://schemas.openxmlformats.org/presentationml/2006/main">
   <p:cSld>
     <p:spTree>
       <p:nvGrpSpPr>
@@ -38168,137 +38311,12 @@
           <a:chExt cx="0" cy="0"/>
         </a:xfrm>
       </p:grpSpPr>
-      <p:sp>
-        <p:nvSpPr>
-          <p:cNvPr id="2" name="Title 1">
+      <p:pic>
+        <p:nvPicPr>
+          <p:cNvPr id="2" name="Picture 1">
             <a:extLst>
               <a:ext uri="{FF2B5EF4-FFF2-40B4-BE49-F238E27FC236}">
-                <a16:creationId xmlns:a16="http://schemas.microsoft.com/office/drawing/2014/main" id="{648736DF-D31B-FEB1-12A8-725272C638A5}"/>
-              </a:ext>
-            </a:extLst>
-          </p:cNvPr>
-          <p:cNvSpPr>
-            <a:spLocks noGrp="1"/>
-          </p:cNvSpPr>
-          <p:nvPr>
-            <p:ph type="title"/>
-          </p:nvPr>
-        </p:nvSpPr>
-        <p:spPr>
-          <a:xfrm>
-            <a:off x="767408" y="260648"/>
-            <a:ext cx="10364451" cy="1596177"/>
-          </a:xfrm>
-        </p:spPr>
-        <p:txBody>
-          <a:bodyPr/>
-          <a:lstStyle/>
-          <a:p>
-            <a:r>
-              <a:rPr lang="en-US" dirty="0">
-                <a:latin typeface="Times New Roman" panose="02020603050405020304" pitchFamily="18" charset="0"/>
-                <a:cs typeface="Times New Roman" panose="02020603050405020304" pitchFamily="18" charset="0"/>
-              </a:rPr>
-              <a:t>introduction</a:t>
-            </a:r>
-          </a:p>
-        </p:txBody>
-      </p:sp>
-      <p:sp>
-        <p:nvSpPr>
-          <p:cNvPr id="3" name="Content Placeholder 2">
-            <a:extLst>
-              <a:ext uri="{FF2B5EF4-FFF2-40B4-BE49-F238E27FC236}">
-                <a16:creationId xmlns:a16="http://schemas.microsoft.com/office/drawing/2014/main" id="{376D3EF2-5820-D864-D818-00E5B78EBBB6}"/>
-              </a:ext>
-            </a:extLst>
-          </p:cNvPr>
-          <p:cNvSpPr>
-            <a:spLocks noGrp="1"/>
-          </p:cNvSpPr>
-          <p:nvPr>
-            <p:ph sz="quarter" idx="13"/>
-          </p:nvPr>
-        </p:nvSpPr>
-        <p:spPr>
-          <a:xfrm>
-            <a:off x="5231904" y="2067231"/>
-            <a:ext cx="6595390" cy="4172252"/>
-          </a:xfrm>
-        </p:spPr>
-        <p:txBody>
-          <a:bodyPr vert="horz" lIns="91440" tIns="45720" rIns="91440" bIns="45720" rtlCol="0" anchor="t">
-            <a:normAutofit fontScale="85000" lnSpcReduction="20000"/>
-          </a:bodyPr>
-          <a:lstStyle/>
-          <a:p>
-            <a:pPr marL="0" indent="0" algn="just">
-              <a:lnSpc>
-                <a:spcPct val="150000"/>
-              </a:lnSpc>
-              <a:buNone/>
-            </a:pPr>
-            <a:r>
-              <a:rPr lang="en-US" cap="none" dirty="0">
-                <a:latin typeface="Times New Roman" panose="02020603050405020304" pitchFamily="18" charset="0"/>
-                <a:cs typeface="Times New Roman" panose="02020603050405020304" pitchFamily="18" charset="0"/>
-              </a:rPr>
-              <a:t>A wiper and washer is used to remove rain, snow, ice, washer fluid, water  from a vehicle's  front and rear  window , almost all motor vehicle  including cars, trucks, buses, train locomotives, and watercraft with a cabin and some aircraft  are equipped with one or more such wipers, which are usually a legal requirement.</a:t>
-            </a:r>
-            <a:endParaRPr lang="en-US" dirty="0">
-              <a:latin typeface="Times New Roman" panose="02020603050405020304" pitchFamily="18" charset="0"/>
-              <a:cs typeface="Times New Roman" panose="02020603050405020304" pitchFamily="18" charset="0"/>
-            </a:endParaRPr>
-          </a:p>
-          <a:p>
-            <a:pPr marL="0" indent="0" algn="just">
-              <a:lnSpc>
-                <a:spcPct val="150000"/>
-              </a:lnSpc>
-              <a:buNone/>
-            </a:pPr>
-            <a:r>
-              <a:rPr lang="en-US" cap="none" dirty="0">
-                <a:latin typeface="Times New Roman" panose="02020603050405020304" pitchFamily="18" charset="0"/>
-                <a:cs typeface="Times New Roman" panose="02020603050405020304" pitchFamily="18" charset="0"/>
-              </a:rPr>
-              <a:t>a wiper generally consists of a metal arm one end pivots, the other end has a long rubber blade attached to it. the arm is powered by a motor, often an electric motor although pneumatic power is also used for some vehicles. the blade is swung back and forth over the glass, pushing water, other precipitation, or any other impediments to visibility, from its surface.</a:t>
-            </a:r>
-          </a:p>
-          <a:p>
-            <a:pPr marL="0" indent="0">
-              <a:lnSpc>
-                <a:spcPct val="150000"/>
-              </a:lnSpc>
-              <a:buNone/>
-            </a:pPr>
-            <a:endParaRPr lang="en-US" cap="none" dirty="0">
-              <a:latin typeface="tim"/>
-              <a:ea typeface="+mn-lt"/>
-              <a:cs typeface="+mn-lt"/>
-            </a:endParaRPr>
-          </a:p>
-          <a:p>
-            <a:pPr marL="0" indent="0">
-              <a:lnSpc>
-                <a:spcPct val="150000"/>
-              </a:lnSpc>
-              <a:buNone/>
-            </a:pPr>
-            <a:endParaRPr lang="en-US" cap="none" dirty="0">
-              <a:latin typeface="tim"/>
-              <a:ea typeface="+mn-lt"/>
-              <a:cs typeface="+mn-lt"/>
-            </a:endParaRPr>
-          </a:p>
-        </p:txBody>
-      </p:sp>
-      <p:pic>
-        <p:nvPicPr>
-          <p:cNvPr id="4" name="Picture 4">
-            <a:extLst>
-              <a:ext uri="{FF2B5EF4-FFF2-40B4-BE49-F238E27FC236}">
-                <a16:creationId xmlns:a16="http://schemas.microsoft.com/office/drawing/2014/main" id="{96AA2192-FEDE-A303-E60D-6A0494F9ED83}"/>
+                <a16:creationId xmlns:a16="http://schemas.microsoft.com/office/drawing/2014/main" id="{B331AF0A-4A55-4411-A9DE-0D2DBAC01AE6}"/>
               </a:ext>
             </a:extLst>
           </p:cNvPr>
@@ -38309,32 +38327,182 @@
         </p:nvPicPr>
         <p:blipFill>
           <a:blip r:embed="rId2"/>
-          <a:srcRect l="2364" r="13711" b="3448"/>
           <a:stretch>
             <a:fillRect/>
           </a:stretch>
         </p:blipFill>
         <p:spPr>
           <a:xfrm>
-            <a:off x="257819" y="2356417"/>
-            <a:ext cx="4710554" cy="3701476"/>
+            <a:off x="983432" y="116632"/>
+            <a:ext cx="10364098" cy="1597290"/>
           </a:xfrm>
           <a:prstGeom prst="rect">
             <a:avLst/>
           </a:prstGeom>
         </p:spPr>
       </p:pic>
+      <p:pic>
+        <p:nvPicPr>
+          <p:cNvPr id="3" name="Picture 2">
+            <a:extLst>
+              <a:ext uri="{FF2B5EF4-FFF2-40B4-BE49-F238E27FC236}">
+                <a16:creationId xmlns:a16="http://schemas.microsoft.com/office/drawing/2014/main" id="{43D925AC-B824-4CE8-9267-14BB9343DDE9}"/>
+              </a:ext>
+            </a:extLst>
+          </p:cNvPr>
+          <p:cNvPicPr>
+            <a:picLocks noChangeAspect="1"/>
+          </p:cNvPicPr>
+          <p:nvPr/>
+        </p:nvPicPr>
+        <p:blipFill>
+          <a:blip r:embed="rId3"/>
+          <a:stretch>
+            <a:fillRect/>
+          </a:stretch>
+        </p:blipFill>
+        <p:spPr>
+          <a:xfrm>
+            <a:off x="9650235" y="116632"/>
+            <a:ext cx="2426418" cy="883997"/>
+          </a:xfrm>
+          <a:prstGeom prst="rect">
+            <a:avLst/>
+          </a:prstGeom>
+        </p:spPr>
+      </p:pic>
+      <p:pic>
+        <p:nvPicPr>
+          <p:cNvPr id="4" name="Picture 3">
+            <a:extLst>
+              <a:ext uri="{FF2B5EF4-FFF2-40B4-BE49-F238E27FC236}">
+                <a16:creationId xmlns:a16="http://schemas.microsoft.com/office/drawing/2014/main" id="{09798AA0-AB43-4A91-A6E2-EB32FBC50EEE}"/>
+              </a:ext>
+            </a:extLst>
+          </p:cNvPr>
+          <p:cNvPicPr>
+            <a:picLocks noChangeAspect="1"/>
+          </p:cNvPicPr>
+          <p:nvPr/>
+        </p:nvPicPr>
+        <p:blipFill>
+          <a:blip r:embed="rId4"/>
+          <a:stretch>
+            <a:fillRect/>
+          </a:stretch>
+        </p:blipFill>
+        <p:spPr>
+          <a:xfrm>
+            <a:off x="479376" y="2001954"/>
+            <a:ext cx="4712616" cy="4200508"/>
+          </a:xfrm>
+          <a:prstGeom prst="rect">
+            <a:avLst/>
+          </a:prstGeom>
+        </p:spPr>
+      </p:pic>
+      <p:sp>
+        <p:nvSpPr>
+          <p:cNvPr id="5" name="Rectangle 4">
+            <a:extLst>
+              <a:ext uri="{FF2B5EF4-FFF2-40B4-BE49-F238E27FC236}">
+                <a16:creationId xmlns:a16="http://schemas.microsoft.com/office/drawing/2014/main" id="{9AC67023-144B-4E79-9795-145576AEF71A}"/>
+              </a:ext>
+            </a:extLst>
+          </p:cNvPr>
+          <p:cNvSpPr/>
+          <p:nvPr/>
+        </p:nvSpPr>
+        <p:spPr>
+          <a:xfrm>
+            <a:off x="5735960" y="1726735"/>
+            <a:ext cx="6096000" cy="4843890"/>
+          </a:xfrm>
+          <a:prstGeom prst="rect">
+            <a:avLst/>
+          </a:prstGeom>
+        </p:spPr>
+        <p:txBody>
+          <a:bodyPr>
+            <a:spAutoFit/>
+          </a:bodyPr>
+          <a:lstStyle/>
+          <a:p>
+            <a:pPr marL="342900" indent="-342900" algn="just">
+              <a:lnSpc>
+                <a:spcPct val="150000"/>
+              </a:lnSpc>
+              <a:buFont typeface="Arial" panose="020B0604020202020204" pitchFamily="34" charset="0"/>
+              <a:buChar char="•"/>
+            </a:pPr>
+            <a:r>
+              <a:rPr lang="en-US" sz="2000" dirty="0">
+                <a:latin typeface="Times New Roman" panose="02020603050405020304" pitchFamily="18" charset="0"/>
+                <a:cs typeface="Times New Roman" panose="02020603050405020304" pitchFamily="18" charset="0"/>
+              </a:rPr>
+              <a:t>A wiper and washer is used to remove rain, snow, ice, washer fluid, water  from a vehicle's  front and rear  window , almost all motor vehicle including cars, trucks, buses, train locomotives. </a:t>
+            </a:r>
+          </a:p>
+          <a:p>
+            <a:pPr marL="342900" indent="-342900" algn="just">
+              <a:lnSpc>
+                <a:spcPct val="150000"/>
+              </a:lnSpc>
+              <a:buFont typeface="Arial" panose="020B0604020202020204" pitchFamily="34" charset="0"/>
+              <a:buChar char="•"/>
+            </a:pPr>
+            <a:r>
+              <a:rPr lang="en-US" sz="2000" dirty="0">
+                <a:latin typeface="Times New Roman" panose="02020603050405020304" pitchFamily="18" charset="0"/>
+                <a:cs typeface="Times New Roman" panose="02020603050405020304" pitchFamily="18" charset="0"/>
+              </a:rPr>
+              <a:t>Wiper and Washer are usually a legal requirement.</a:t>
+            </a:r>
+          </a:p>
+          <a:p>
+            <a:pPr marL="285750" indent="-285750" algn="just">
+              <a:lnSpc>
+                <a:spcPct val="150000"/>
+              </a:lnSpc>
+              <a:buFont typeface="Arial" panose="020B0604020202020204" pitchFamily="34" charset="0"/>
+              <a:buChar char="•"/>
+            </a:pPr>
+            <a:r>
+              <a:rPr lang="en-US" dirty="0">
+                <a:latin typeface="Times New Roman" panose="02020603050405020304" pitchFamily="18" charset="0"/>
+                <a:cs typeface="Times New Roman" panose="02020603050405020304" pitchFamily="18" charset="0"/>
+              </a:rPr>
+              <a:t>a wiper generally consists of a metal arm one end pivots, the other end has a long rubber blade attached to it. the arm is powered by a motor. </a:t>
+            </a:r>
+          </a:p>
+          <a:p>
+            <a:pPr marL="285750" indent="-285750" algn="just">
+              <a:lnSpc>
+                <a:spcPct val="150000"/>
+              </a:lnSpc>
+              <a:buFont typeface="Arial" panose="020B0604020202020204" pitchFamily="34" charset="0"/>
+              <a:buChar char="•"/>
+            </a:pPr>
+            <a:r>
+              <a:rPr lang="en-US" dirty="0">
+                <a:latin typeface="Times New Roman" panose="02020603050405020304" pitchFamily="18" charset="0"/>
+                <a:cs typeface="Times New Roman" panose="02020603050405020304" pitchFamily="18" charset="0"/>
+              </a:rPr>
+              <a:t>The blade is swung back and forth over the glass, pushing water, other precipitation, or any other impediments to visibility, from its surface.</a:t>
+            </a:r>
+          </a:p>
+        </p:txBody>
+      </p:sp>
     </p:spTree>
     <p:extLst>
       <p:ext uri="{BB962C8B-B14F-4D97-AF65-F5344CB8AC3E}">
-        <p14:creationId xmlns:p14="http://schemas.microsoft.com/office/powerpoint/2010/main" val="61409624"/>
+        <p14:creationId xmlns:p14="http://schemas.microsoft.com/office/powerpoint/2010/main" val="887155113"/>
       </p:ext>
     </p:extLst>
   </p:cSld>
   <p:clrMapOvr>
     <a:masterClrMapping/>
   </p:clrMapOvr>
-  <p:transition/>
 </p:sld>
 </file>
 
@@ -38429,7 +38597,7 @@
                 <a:latin typeface="Times New Roman"/>
                 <a:cs typeface="Times New Roman"/>
               </a:rPr>
-              <a:t>At least three inventors patented windscreen cleaning devices at around the same time in 1903 mary anderson, robert douglass, and AP john.</a:t>
+              <a:t>At least three inventors patented windscreen cleaning devices at around the same time in 1903 Mary Anderson, Robert Douglass, and AP john.</a:t>
             </a:r>
           </a:p>
           <a:p>
@@ -38461,7 +38629,7 @@
                 <a:ea typeface="+mn-lt"/>
                 <a:cs typeface="+mn-lt"/>
               </a:rPr>
-              <a:t>In anderson's patent, she called her invention a "window cleaning device" for electric cars and other vehicles</a:t>
+              <a:t>In Anderson's patent, she called her invention a "window cleaning device" for electric cars and other vehicles</a:t>
             </a:r>
             <a:endParaRPr lang="en-US" cap="none" dirty="0">
               <a:latin typeface="Times New Roman"/>
@@ -38470,6 +38638,36 @@
           </a:p>
         </p:txBody>
       </p:sp>
+      <p:pic>
+        <p:nvPicPr>
+          <p:cNvPr id="4" name="Picture 3">
+            <a:extLst>
+              <a:ext uri="{FF2B5EF4-FFF2-40B4-BE49-F238E27FC236}">
+                <a16:creationId xmlns:a16="http://schemas.microsoft.com/office/drawing/2014/main" id="{9219FC61-197B-4B50-9D66-51504E911430}"/>
+              </a:ext>
+            </a:extLst>
+          </p:cNvPr>
+          <p:cNvPicPr>
+            <a:picLocks noChangeAspect="1"/>
+          </p:cNvPicPr>
+          <p:nvPr/>
+        </p:nvPicPr>
+        <p:blipFill>
+          <a:blip r:embed="rId2"/>
+          <a:stretch>
+            <a:fillRect/>
+          </a:stretch>
+        </p:blipFill>
+        <p:spPr>
+          <a:xfrm>
+            <a:off x="9502229" y="182803"/>
+            <a:ext cx="2426418" cy="883997"/>
+          </a:xfrm>
+          <a:prstGeom prst="rect">
+            <a:avLst/>
+          </a:prstGeom>
+        </p:spPr>
+      </p:pic>
     </p:spTree>
     <p:extLst>
       <p:ext uri="{BB962C8B-B14F-4D97-AF65-F5344CB8AC3E}">
@@ -38527,12 +38725,12 @@
           <a:lstStyle/>
           <a:p>
             <a:r>
-              <a:rPr lang="en-US" dirty="0">
+              <a:rPr lang="en-US">
                 <a:latin typeface="Times New Roman"/>
                 <a:ea typeface="+mj-lt"/>
                 <a:cs typeface="+mj-lt"/>
               </a:rPr>
-              <a:t>AIMS &amp; OBJECTIVE</a:t>
+              <a:t>OBJECTIVE</a:t>
             </a:r>
             <a:endParaRPr lang="en-US" dirty="0">
               <a:latin typeface="Times New Roman"/>
@@ -38541,95 +38739,135 @@
           </a:p>
         </p:txBody>
       </p:sp>
-      <p:sp>
-        <p:nvSpPr>
-          <p:cNvPr id="3" name="Content Placeholder 2">
+      <p:pic>
+        <p:nvPicPr>
+          <p:cNvPr id="4" name="Picture 3">
             <a:extLst>
               <a:ext uri="{FF2B5EF4-FFF2-40B4-BE49-F238E27FC236}">
-                <a16:creationId xmlns:a16="http://schemas.microsoft.com/office/drawing/2014/main" id="{69CACA81-FDA0-7446-13CD-6C5CE533D328}"/>
+                <a16:creationId xmlns:a16="http://schemas.microsoft.com/office/drawing/2014/main" id="{4E2CB71B-805A-46F8-9520-C7135E93CA4D}"/>
               </a:ext>
             </a:extLst>
           </p:cNvPr>
-          <p:cNvSpPr>
-            <a:spLocks noGrp="1"/>
-          </p:cNvSpPr>
-          <p:nvPr>
-            <p:ph sz="quarter" idx="13"/>
-          </p:nvPr>
+          <p:cNvPicPr>
+            <a:picLocks noChangeAspect="1"/>
+          </p:cNvPicPr>
+          <p:nvPr/>
+        </p:nvPicPr>
+        <p:blipFill>
+          <a:blip r:embed="rId2"/>
+          <a:stretch>
+            <a:fillRect/>
+          </a:stretch>
+        </p:blipFill>
+        <p:spPr>
+          <a:xfrm>
+            <a:off x="9624392" y="87966"/>
+            <a:ext cx="2426418" cy="883997"/>
+          </a:xfrm>
+          <a:prstGeom prst="rect">
+            <a:avLst/>
+          </a:prstGeom>
+        </p:spPr>
+      </p:pic>
+      <p:sp>
+        <p:nvSpPr>
+          <p:cNvPr id="5" name="Rectangle 4">
+            <a:extLst>
+              <a:ext uri="{FF2B5EF4-FFF2-40B4-BE49-F238E27FC236}">
+                <a16:creationId xmlns:a16="http://schemas.microsoft.com/office/drawing/2014/main" id="{EE717317-F737-4319-9E36-65B919ED48F3}"/>
+              </a:ext>
+            </a:extLst>
+          </p:cNvPr>
+          <p:cNvSpPr/>
+          <p:nvPr/>
         </p:nvSpPr>
         <p:spPr>
           <a:xfrm>
-            <a:off x="478750" y="2060848"/>
-            <a:ext cx="11233248" cy="3424107"/>
+            <a:off x="693286" y="2780928"/>
+            <a:ext cx="10804175" cy="2806987"/>
           </a:xfrm>
+          <a:prstGeom prst="rect">
+            <a:avLst/>
+          </a:prstGeom>
         </p:spPr>
         <p:txBody>
-          <a:bodyPr vert="horz" lIns="91440" tIns="45720" rIns="91440" bIns="45720" rtlCol="0" anchor="t">
-            <a:normAutofit/>
+          <a:bodyPr wrap="square">
+            <a:spAutoFit/>
           </a:bodyPr>
           <a:lstStyle/>
           <a:p>
             <a:pPr>
-              <a:buClr>
-                <a:srgbClr val="000000"/>
-              </a:buClr>
+              <a:lnSpc>
+                <a:spcPct val="150000"/>
+              </a:lnSpc>
             </a:pPr>
             <a:r>
-              <a:rPr lang="en-US" cap="none" dirty="0">
-                <a:latin typeface="Times New Roman"/>
-                <a:ea typeface="+mn-lt"/>
-                <a:cs typeface="+mn-lt"/>
+              <a:rPr lang="en-US" sz="2000" dirty="0">
+                <a:latin typeface="Times New Roman" panose="02020603050405020304" pitchFamily="18" charset="0"/>
+                <a:cs typeface="Times New Roman" panose="02020603050405020304" pitchFamily="18" charset="0"/>
               </a:rPr>
-              <a:t>The main purpose of the wiper system is to clean the windscreen sufficiently to provide suitable visibility at all times. the wiper system must perform the following tasks.</a:t>
+              <a:t>In this project we need to,</a:t>
             </a:r>
-            <a:br>
-              <a:rPr lang="en-US" cap="none" dirty="0">
-                <a:latin typeface="Times New Roman"/>
-                <a:ea typeface="+mn-lt"/>
-                <a:cs typeface="+mn-lt"/>
+          </a:p>
+          <a:p>
+            <a:pPr marL="342900" indent="-342900">
+              <a:lnSpc>
+                <a:spcPct val="150000"/>
+              </a:lnSpc>
+              <a:buFont typeface="Arial" panose="020B0604020202020204" pitchFamily="34" charset="0"/>
+              <a:buChar char="•"/>
+            </a:pPr>
+            <a:r>
+              <a:rPr lang="en-US" sz="2000" dirty="0">
+                <a:latin typeface="Times New Roman" panose="02020603050405020304" pitchFamily="18" charset="0"/>
+                <a:cs typeface="Times New Roman" panose="02020603050405020304" pitchFamily="18" charset="0"/>
               </a:rPr>
-            </a:br>
+              <a:t>Control front and rear wiper manually using switch.</a:t>
+            </a:r>
+          </a:p>
+          <a:p>
+            <a:pPr marL="342900" indent="-342900">
+              <a:lnSpc>
+                <a:spcPct val="150000"/>
+              </a:lnSpc>
+              <a:buFont typeface="Arial" panose="020B0604020202020204" pitchFamily="34" charset="0"/>
+              <a:buChar char="•"/>
+            </a:pPr>
             <a:r>
-              <a:rPr lang="en-US" cap="none" dirty="0">
-                <a:latin typeface="Times New Roman"/>
-                <a:ea typeface="+mn-lt"/>
-                <a:cs typeface="+mn-lt"/>
+              <a:rPr lang="en-US" sz="2000" dirty="0">
+                <a:latin typeface="Times New Roman" panose="02020603050405020304" pitchFamily="18" charset="0"/>
+                <a:cs typeface="Times New Roman" panose="02020603050405020304" pitchFamily="18" charset="0"/>
               </a:rPr>
-              <a:t>(a) Efficient removal of dirt, water and snow.</a:t>
+              <a:t>Receive status of washer and wiper control, battery, washer fluid tank and rain sensor input in CAN receiver after the transmission through switch.</a:t>
             </a:r>
-            <a:br>
-              <a:rPr lang="en-US" cap="none" dirty="0">
-                <a:latin typeface="Times New Roman"/>
-                <a:ea typeface="+mn-lt"/>
-                <a:cs typeface="+mn-lt"/>
+          </a:p>
+          <a:p>
+            <a:pPr marL="342900" indent="-342900">
+              <a:lnSpc>
+                <a:spcPct val="150000"/>
+              </a:lnSpc>
+              <a:buFont typeface="Arial" panose="020B0604020202020204" pitchFamily="34" charset="0"/>
+              <a:buChar char="•"/>
+            </a:pPr>
+            <a:r>
+              <a:rPr lang="en-US" sz="2000" dirty="0">
+                <a:latin typeface="Times New Roman" panose="02020603050405020304" pitchFamily="18" charset="0"/>
+                <a:cs typeface="Times New Roman" panose="02020603050405020304" pitchFamily="18" charset="0"/>
               </a:rPr>
-            </a:br>
-            <a:r>
-              <a:rPr lang="en-US" cap="none" dirty="0">
-                <a:latin typeface="Times New Roman"/>
-                <a:ea typeface="+mn-lt"/>
-                <a:cs typeface="+mn-lt"/>
-              </a:rPr>
-              <a:t>(b) Operation in the temperature range of 243 k to 353 k.</a:t>
+              <a:t>Transmit hardware warning lamp status to washer output control.</a:t>
             </a:r>
-            <a:br>
-              <a:rPr lang="en-US" cap="none" dirty="0">
-                <a:latin typeface="Times New Roman"/>
-                <a:ea typeface="+mn-lt"/>
-                <a:cs typeface="+mn-lt"/>
-              </a:rPr>
-            </a:br>
-            <a:r>
-              <a:rPr lang="en-US" cap="none" dirty="0">
-                <a:latin typeface="Times New Roman"/>
-                <a:ea typeface="+mn-lt"/>
-                <a:cs typeface="+mn-lt"/>
-              </a:rPr>
-              <a:t>(c) The ability to pass the stall and snow load test.</a:t>
-            </a:r>
-            <a:endParaRPr lang="en-US" cap="none" dirty="0">
-              <a:latin typeface="Times New Roman"/>
-              <a:cs typeface="Times New Roman"/>
+          </a:p>
+          <a:p>
+            <a:pPr marL="342900" indent="-342900">
+              <a:lnSpc>
+                <a:spcPct val="150000"/>
+              </a:lnSpc>
+              <a:buFont typeface="Arial" panose="020B0604020202020204" pitchFamily="34" charset="0"/>
+              <a:buChar char="•"/>
+            </a:pPr>
+            <a:endParaRPr lang="en-IN" sz="2000" dirty="0">
+              <a:latin typeface="Times New Roman" panose="02020603050405020304" pitchFamily="18" charset="0"/>
+              <a:cs typeface="Times New Roman" panose="02020603050405020304" pitchFamily="18" charset="0"/>
             </a:endParaRPr>
           </a:p>
         </p:txBody>
@@ -38817,13 +39055,43 @@
               </a:ext>
             </a:extLst>
           </a:blip>
-          <a:srcRect t="27939" r="29329" b="6929"/>
+          <a:srcRect t="27939" r="37449" b="6929"/>
           <a:stretch/>
         </p:blipFill>
         <p:spPr>
           <a:xfrm>
             <a:off x="299356" y="980728"/>
-            <a:ext cx="11593288" cy="5688632"/>
+            <a:ext cx="11485276" cy="5688632"/>
+          </a:xfrm>
+          <a:prstGeom prst="rect">
+            <a:avLst/>
+          </a:prstGeom>
+        </p:spPr>
+      </p:pic>
+      <p:pic>
+        <p:nvPicPr>
+          <p:cNvPr id="3" name="Picture 2">
+            <a:extLst>
+              <a:ext uri="{FF2B5EF4-FFF2-40B4-BE49-F238E27FC236}">
+                <a16:creationId xmlns:a16="http://schemas.microsoft.com/office/drawing/2014/main" id="{92F2DA01-7B5B-4BDD-BB25-E46FB02E8799}"/>
+              </a:ext>
+            </a:extLst>
+          </p:cNvPr>
+          <p:cNvPicPr>
+            <a:picLocks noChangeAspect="1"/>
+          </p:cNvPicPr>
+          <p:nvPr/>
+        </p:nvPicPr>
+        <p:blipFill>
+          <a:blip r:embed="rId3"/>
+          <a:stretch>
+            <a:fillRect/>
+          </a:stretch>
+        </p:blipFill>
+        <p:spPr>
+          <a:xfrm>
+            <a:off x="9763351" y="23852"/>
+            <a:ext cx="2426418" cy="883997"/>
           </a:xfrm>
           <a:prstGeom prst="rect">
             <a:avLst/>
@@ -38881,8 +39149,38 @@
         </p:blipFill>
         <p:spPr>
           <a:xfrm>
-            <a:off x="335360" y="404664"/>
-            <a:ext cx="11521280" cy="6264696"/>
+            <a:off x="335360" y="764704"/>
+            <a:ext cx="11521280" cy="5904656"/>
+          </a:xfrm>
+          <a:prstGeom prst="rect">
+            <a:avLst/>
+          </a:prstGeom>
+        </p:spPr>
+      </p:pic>
+      <p:pic>
+        <p:nvPicPr>
+          <p:cNvPr id="3" name="Picture 2">
+            <a:extLst>
+              <a:ext uri="{FF2B5EF4-FFF2-40B4-BE49-F238E27FC236}">
+                <a16:creationId xmlns:a16="http://schemas.microsoft.com/office/drawing/2014/main" id="{3EE87967-3CA8-4ABB-BB15-F990BE19DA1E}"/>
+              </a:ext>
+            </a:extLst>
+          </p:cNvPr>
+          <p:cNvPicPr>
+            <a:picLocks noChangeAspect="1"/>
+          </p:cNvPicPr>
+          <p:nvPr/>
+        </p:nvPicPr>
+        <p:blipFill>
+          <a:blip r:embed="rId3"/>
+          <a:stretch>
+            <a:fillRect/>
+          </a:stretch>
+        </p:blipFill>
+        <p:spPr>
+          <a:xfrm>
+            <a:off x="9624392" y="0"/>
+            <a:ext cx="2426418" cy="730031"/>
           </a:xfrm>
           <a:prstGeom prst="rect">
             <a:avLst/>
@@ -39052,10 +39350,40 @@
       </p:sp>
       <p:pic>
         <p:nvPicPr>
-          <p:cNvPr id="8" name="Picture 7">
+          <p:cNvPr id="2" name="Picture 1">
             <a:extLst>
               <a:ext uri="{FF2B5EF4-FFF2-40B4-BE49-F238E27FC236}">
-                <a16:creationId xmlns:a16="http://schemas.microsoft.com/office/drawing/2014/main" id="{582B75C3-3EBD-4970-9C01-19E2A6FC185A}"/>
+                <a16:creationId xmlns:a16="http://schemas.microsoft.com/office/drawing/2014/main" id="{B933E829-D87A-4F98-AE41-9A25AD355CE0}"/>
+              </a:ext>
+            </a:extLst>
+          </p:cNvPr>
+          <p:cNvPicPr>
+            <a:picLocks noChangeAspect="1"/>
+          </p:cNvPicPr>
+          <p:nvPr/>
+        </p:nvPicPr>
+        <p:blipFill>
+          <a:blip r:embed="rId2"/>
+          <a:stretch>
+            <a:fillRect/>
+          </a:stretch>
+        </p:blipFill>
+        <p:spPr>
+          <a:xfrm>
+            <a:off x="9765582" y="10818"/>
+            <a:ext cx="2426418" cy="646332"/>
+          </a:xfrm>
+          <a:prstGeom prst="rect">
+            <a:avLst/>
+          </a:prstGeom>
+        </p:spPr>
+      </p:pic>
+      <p:pic>
+        <p:nvPicPr>
+          <p:cNvPr id="5" name="Picture 4">
+            <a:extLst>
+              <a:ext uri="{FF2B5EF4-FFF2-40B4-BE49-F238E27FC236}">
+                <a16:creationId xmlns:a16="http://schemas.microsoft.com/office/drawing/2014/main" id="{C935C1D6-9962-46EF-A7B6-511EC27EFA6A}"/>
               </a:ext>
             </a:extLst>
           </p:cNvPr>
@@ -39065,20 +39393,20 @@
           <p:nvPr/>
         </p:nvPicPr>
         <p:blipFill rotWithShape="1">
-          <a:blip r:embed="rId2">
+          <a:blip r:embed="rId3">
             <a:extLst>
               <a:ext uri="{28A0092B-C50C-407E-A947-70E740481C1C}">
                 <a14:useLocalDpi xmlns:a14="http://schemas.microsoft.com/office/drawing/2010/main" val="0"/>
               </a:ext>
             </a:extLst>
           </a:blip>
-          <a:srcRect t="26889" r="35235" b="19307"/>
+          <a:srcRect t="27939" r="34644" b="7979"/>
           <a:stretch/>
         </p:blipFill>
         <p:spPr>
           <a:xfrm>
-            <a:off x="203684" y="687439"/>
-            <a:ext cx="11652956" cy="5909913"/>
+            <a:off x="443372" y="687439"/>
+            <a:ext cx="11305256" cy="5688632"/>
           </a:xfrm>
           <a:prstGeom prst="rect">
             <a:avLst/>
@@ -39117,10 +39445,40 @@
       </p:grpSpPr>
       <p:pic>
         <p:nvPicPr>
-          <p:cNvPr id="2" name="Picture 1">
+          <p:cNvPr id="3" name="Picture 2">
             <a:extLst>
               <a:ext uri="{FF2B5EF4-FFF2-40B4-BE49-F238E27FC236}">
-                <a16:creationId xmlns:a16="http://schemas.microsoft.com/office/drawing/2014/main" id="{2D0D9473-586E-4A3A-8FEB-4C6A2C796067}"/>
+                <a16:creationId xmlns:a16="http://schemas.microsoft.com/office/drawing/2014/main" id="{46AA59FF-D66A-4D49-88B8-F09E9F82B1C9}"/>
+              </a:ext>
+            </a:extLst>
+          </p:cNvPr>
+          <p:cNvPicPr>
+            <a:picLocks noChangeAspect="1"/>
+          </p:cNvPicPr>
+          <p:nvPr/>
+        </p:nvPicPr>
+        <p:blipFill>
+          <a:blip r:embed="rId2"/>
+          <a:stretch>
+            <a:fillRect/>
+          </a:stretch>
+        </p:blipFill>
+        <p:spPr>
+          <a:xfrm>
+            <a:off x="9765582" y="34673"/>
+            <a:ext cx="2426418" cy="883997"/>
+          </a:xfrm>
+          <a:prstGeom prst="rect">
+            <a:avLst/>
+          </a:prstGeom>
+        </p:spPr>
+      </p:pic>
+      <p:pic>
+        <p:nvPicPr>
+          <p:cNvPr id="5" name="Picture 4">
+            <a:extLst>
+              <a:ext uri="{FF2B5EF4-FFF2-40B4-BE49-F238E27FC236}">
+                <a16:creationId xmlns:a16="http://schemas.microsoft.com/office/drawing/2014/main" id="{B885F075-727E-4B2F-96A7-DF68EB38602B}"/>
               </a:ext>
             </a:extLst>
           </p:cNvPr>
@@ -39130,20 +39488,20 @@
           <p:nvPr/>
         </p:nvPicPr>
         <p:blipFill rotWithShape="1">
-          <a:blip r:embed="rId2">
+          <a:blip r:embed="rId3">
             <a:extLst>
               <a:ext uri="{28A0092B-C50C-407E-A947-70E740481C1C}">
                 <a14:useLocalDpi xmlns:a14="http://schemas.microsoft.com/office/drawing/2010/main" val="0"/>
               </a:ext>
             </a:extLst>
           </a:blip>
-          <a:srcRect t="27940" r="48228" b="22687"/>
+          <a:srcRect t="25839" r="34715" b="7980"/>
           <a:stretch/>
         </p:blipFill>
         <p:spPr>
           <a:xfrm>
-            <a:off x="551384" y="692696"/>
-            <a:ext cx="11305256" cy="5688632"/>
+            <a:off x="335360" y="764704"/>
+            <a:ext cx="11665296" cy="5760640"/>
           </a:xfrm>
           <a:prstGeom prst="rect">
             <a:avLst/>
@@ -39571,62 +39929,57 @@
         <a:font script="Geor" typeface="Sylfaen"/>
       </a:minorFont>
     </a:fontScheme>
-    <a:fmtScheme name="Droplet">
+    <a:fmtScheme name="Grunge Texture">
       <a:fillStyleLst>
         <a:solidFill>
           <a:schemeClr val="phClr"/>
         </a:solidFill>
-        <a:solidFill>
-          <a:schemeClr val="phClr">
-            <a:tint val="69000"/>
-            <a:satMod val="105000"/>
-            <a:lumMod val="110000"/>
-          </a:schemeClr>
-        </a:solidFill>
-        <a:gradFill rotWithShape="1">
-          <a:gsLst>
-            <a:gs pos="0">
+        <a:blipFill rotWithShape="1">
+          <a:blip xmlns:r="http://schemas.openxmlformats.org/officeDocument/2006/relationships" r:embed="rId1">
+            <a:duotone>
               <a:schemeClr val="phClr">
-                <a:tint val="94000"/>
-                <a:satMod val="100000"/>
-                <a:lumMod val="108000"/>
+                <a:tint val="67000"/>
+                <a:shade val="65000"/>
               </a:schemeClr>
-            </a:gs>
-            <a:gs pos="50000">
               <a:schemeClr val="phClr">
-                <a:tint val="98000"/>
-                <a:shade val="100000"/>
-                <a:satMod val="100000"/>
-                <a:lumMod val="100000"/>
+                <a:tint val="10000"/>
+                <a:satMod val="130000"/>
               </a:schemeClr>
-            </a:gs>
-            <a:gs pos="100000">
+            </a:duotone>
+          </a:blip>
+          <a:tile tx="0" ty="0" sx="60000" sy="59000" flip="none" algn="b"/>
+        </a:blipFill>
+        <a:blipFill rotWithShape="1">
+          <a:blip xmlns:r="http://schemas.openxmlformats.org/officeDocument/2006/relationships" r:embed="rId1">
+            <a:duotone>
               <a:schemeClr val="phClr">
-                <a:shade val="72000"/>
-                <a:satMod val="120000"/>
-                <a:lumMod val="100000"/>
+                <a:shade val="30000"/>
+                <a:satMod val="115000"/>
               </a:schemeClr>
-            </a:gs>
-          </a:gsLst>
-          <a:lin ang="5400000" scaled="0"/>
-        </a:gradFill>
+              <a:schemeClr val="phClr">
+                <a:tint val="34000"/>
+              </a:schemeClr>
+            </a:duotone>
+          </a:blip>
+          <a:tile tx="0" ty="0" sx="60000" sy="59000" flip="none" algn="b"/>
+        </a:blipFill>
       </a:fillStyleLst>
       <a:lnStyleLst>
-        <a:ln w="9525" cap="flat" cmpd="sng" algn="ctr">
+        <a:ln w="6350" cap="flat" cmpd="sng" algn="ctr">
           <a:solidFill>
             <a:schemeClr val="phClr">
-              <a:shade val="60000"/>
+              <a:tint val="70000"/>
             </a:schemeClr>
           </a:solidFill>
           <a:prstDash val="solid"/>
         </a:ln>
-        <a:ln w="15875" cap="flat" cmpd="sng" algn="ctr">
+        <a:ln w="12700" cap="flat" cmpd="sng" algn="ctr">
           <a:solidFill>
             <a:schemeClr val="phClr"/>
           </a:solidFill>
           <a:prstDash val="solid"/>
         </a:ln>
-        <a:ln w="22225" cap="flat" cmpd="sng" algn="ctr">
+        <a:ln w="19050" cap="flat" cmpd="sng" algn="ctr">
           <a:solidFill>
             <a:schemeClr val="phClr"/>
           </a:solidFill>
@@ -39639,32 +39992,18 @@
         </a:effectStyle>
         <a:effectStyle>
           <a:effectLst>
-            <a:outerShdw blurRad="50800" dist="25400" dir="5400000" rotWithShape="0">
-              <a:srgbClr val="000000">
-                <a:alpha val="28000"/>
-              </a:srgbClr>
-            </a:outerShdw>
+            <a:softEdge rad="12700"/>
           </a:effectLst>
         </a:effectStyle>
         <a:effectStyle>
           <a:effectLst>
-            <a:outerShdw blurRad="63500" dist="25400" dir="5400000" algn="ctr" rotWithShape="0">
+            <a:outerShdw blurRad="50800" dist="19050" dir="5400000" algn="tl" rotWithShape="0">
               <a:srgbClr val="000000">
-                <a:alpha val="69000"/>
+                <a:alpha val="60000"/>
               </a:srgbClr>
             </a:outerShdw>
+            <a:softEdge rad="12700"/>
           </a:effectLst>
-          <a:scene3d>
-            <a:camera prst="orthographicFront">
-              <a:rot lat="0" lon="0" rev="0"/>
-            </a:camera>
-            <a:lightRig rig="balanced" dir="t">
-              <a:rot lat="0" lon="0" rev="1200000"/>
-            </a:lightRig>
-          </a:scene3d>
-          <a:sp3d prstMaterial="plastic">
-            <a:bevelT w="25400" h="25400"/>
-          </a:sp3d>
         </a:effectStyle>
       </a:effectStyleLst>
       <a:bgFillStyleLst>
